--- a/AngularJS On-Ramp.pptx
+++ b/AngularJS On-Ramp.pptx
@@ -5,7 +5,7 @@
     <p:sldMasterId id="2147483660" r:id="rId1"/>
   </p:sldMasterIdLst>
   <p:notesMasterIdLst>
-    <p:notesMasterId r:id="rId45"/>
+    <p:notesMasterId r:id="rId47"/>
   </p:notesMasterIdLst>
   <p:sldIdLst>
     <p:sldId id="256" r:id="rId2"/>
@@ -42,15 +42,17 @@
     <p:sldId id="270" r:id="rId33"/>
     <p:sldId id="298" r:id="rId34"/>
     <p:sldId id="299" r:id="rId35"/>
-    <p:sldId id="288" r:id="rId36"/>
-    <p:sldId id="272" r:id="rId37"/>
-    <p:sldId id="300" r:id="rId38"/>
-    <p:sldId id="301" r:id="rId39"/>
-    <p:sldId id="277" r:id="rId40"/>
-    <p:sldId id="278" r:id="rId41"/>
-    <p:sldId id="302" r:id="rId42"/>
-    <p:sldId id="303" r:id="rId43"/>
-    <p:sldId id="282" r:id="rId44"/>
+    <p:sldId id="304" r:id="rId36"/>
+    <p:sldId id="305" r:id="rId37"/>
+    <p:sldId id="288" r:id="rId38"/>
+    <p:sldId id="272" r:id="rId39"/>
+    <p:sldId id="300" r:id="rId40"/>
+    <p:sldId id="301" r:id="rId41"/>
+    <p:sldId id="277" r:id="rId42"/>
+    <p:sldId id="278" r:id="rId43"/>
+    <p:sldId id="302" r:id="rId44"/>
+    <p:sldId id="303" r:id="rId45"/>
+    <p:sldId id="282" r:id="rId46"/>
   </p:sldIdLst>
   <p:sldSz cx="9144000" cy="6858000" type="screen4x3"/>
   <p:notesSz cx="6858000" cy="9144000"/>
@@ -234,7 +236,7 @@
           <a:p>
             <a:fld id="{E55AD456-E3C4-754A-AD01-D4EF6BDD1A95}" type="datetimeFigureOut">
               <a:rPr lang="en-US" smtClean="0"/>
-              <a:t>5/30/14</a:t>
+              <a:t>6/5/14</a:t>
             </a:fld>
             <a:endParaRPr lang="en-US" dirty="0"/>
           </a:p>
@@ -3721,8 +3723,30 @@
           <a:lstStyle/>
           <a:p>
             <a:r>
+              <a:rPr lang="en-US" b="1" dirty="0" err="1" smtClean="0"/>
+              <a:t>indexWithDirective.html</a:t>
+            </a:r>
+            <a:endParaRPr lang="en-US" b="1" dirty="0" smtClean="0"/>
+          </a:p>
+          <a:p>
+            <a:endParaRPr lang="en-US" dirty="0" smtClean="0"/>
+          </a:p>
+          <a:p>
+            <a:r>
               <a:rPr lang="en-US" dirty="0" smtClean="0"/>
-              <a:t>We’re going to create a new directive by calling the directive method of our module. We’re calling it “collapsible.”</a:t>
+              <a:t>We’re </a:t>
+            </a:r>
+            <a:r>
+              <a:rPr lang="en-US" dirty="0" smtClean="0"/>
+              <a:t>going to create a new directive by calling the directive method of our module. We’re calling it </a:t>
+            </a:r>
+            <a:r>
+              <a:rPr lang="en-US" dirty="0" smtClean="0"/>
+              <a:t>“colorize.</a:t>
+            </a:r>
+            <a:r>
+              <a:rPr lang="en-US" dirty="0" smtClean="0"/>
+              <a:t>”</a:t>
             </a:r>
           </a:p>
           <a:p>
@@ -3748,7 +3772,39 @@
             </a:r>
             <a:r>
               <a:rPr lang="en-US" baseline="0" dirty="0" smtClean="0"/>
-              <a:t> is an “element” directive. In other words, we’re creating a new HTML element. We can combine directives. So if we used “AE”, we’d be able to use it as a stand-alone element, or as an element’s attribute (such as “&lt;DIV collapsible&gt;&lt;/DIV&gt;”. The default is “A” – attribute.</a:t>
+              <a:t> is </a:t>
+            </a:r>
+            <a:r>
+              <a:rPr lang="en-US" baseline="0" dirty="0" smtClean="0"/>
+              <a:t>a directive that can be used as either an attribute (such as “&lt;DIV colorize&gt;Text to colorize&lt;/DIV&gt;”) or an element (in </a:t>
+            </a:r>
+            <a:r>
+              <a:rPr lang="en-US" baseline="0" dirty="0" smtClean="0"/>
+              <a:t>other words, </a:t>
+            </a:r>
+            <a:r>
+              <a:rPr lang="en-US" baseline="0" dirty="0" smtClean="0"/>
+              <a:t>we can use it to create </a:t>
+            </a:r>
+            <a:r>
+              <a:rPr lang="en-US" baseline="0" dirty="0" smtClean="0"/>
+              <a:t>a new HTML </a:t>
+            </a:r>
+            <a:r>
+              <a:rPr lang="en-US" baseline="0" dirty="0" smtClean="0"/>
+              <a:t>element). As you can see, we </a:t>
+            </a:r>
+            <a:r>
+              <a:rPr lang="en-US" baseline="0" dirty="0" smtClean="0"/>
+              <a:t>can combine </a:t>
+            </a:r>
+            <a:r>
+              <a:rPr lang="en-US" baseline="0" dirty="0" smtClean="0"/>
+              <a:t>directives. </a:t>
+            </a:r>
+            <a:r>
+              <a:rPr lang="en-US" baseline="0" dirty="0" smtClean="0"/>
+              <a:t>The default is “A” – attribute.</a:t>
             </a:r>
           </a:p>
           <a:p>
@@ -3757,7 +3813,15 @@
           <a:p>
             <a:r>
               <a:rPr lang="en-US" baseline="0" dirty="0" smtClean="0"/>
-              <a:t>The “template” option holds the HTML that will be generated by Angular when it sees this directive. Just like with routing, we can use “templateUrl” instead.</a:t>
+              <a:t>The “template” option holds the HTML that will be generated by </a:t>
+            </a:r>
+            <a:r>
+              <a:rPr lang="en-US" baseline="0" dirty="0" smtClean="0"/>
+              <a:t>AngularJS </a:t>
+            </a:r>
+            <a:r>
+              <a:rPr lang="en-US" baseline="0" dirty="0" smtClean="0"/>
+              <a:t>when it sees this directive. Just like with routing, we can use “templateUrl” instead.</a:t>
             </a:r>
           </a:p>
           <a:p>
@@ -3766,16 +3830,85 @@
           <a:p>
             <a:r>
               <a:rPr lang="en-US" baseline="0" dirty="0" smtClean="0"/>
-              <a:t>The “replace” option tells Angular to completely replace our directive with the templated HTML. Otherwise, the original directive will remain in the HTML, and since HTML ignores unknown elements, it should be fine.</a:t>
-            </a:r>
-          </a:p>
-          <a:p>
+              <a:t>The “replace” option tells Angular to completely replace our directive with the templated HTML. Otherwise, the original directive will remain in the HTML, and since HTML ignores unknown elements, it should be fine</a:t>
+            </a:r>
+            <a:r>
+              <a:rPr lang="en-US" baseline="0" dirty="0" smtClean="0"/>
+              <a:t>. Since we’re creating a template that can be used as either an attribute or an element, we don’t want to replace it entirely.</a:t>
+            </a:r>
             <a:endParaRPr lang="en-US" baseline="0" dirty="0" smtClean="0"/>
           </a:p>
           <a:p>
+            <a:endParaRPr lang="en-US" baseline="0" dirty="0" smtClean="0"/>
+          </a:p>
+          <a:p>
             <a:r>
               <a:rPr lang="en-US" baseline="0" dirty="0" smtClean="0"/>
-              <a:t>By default, directives work on the current scope, using the current controller. If we want your directives to be reusable, and act as stand-alone components, we can use “isolated” scope, which we’re doing here. We’re creating two scope (viewModel) variables, which are tied to attributes or bound data we’re referencing in our directive. The “@” symbol indicates one-way binding between the variable “data” and the bound data we’re using in our directive. If we wanted two-way binding, we’d use the “=“ symbol instead. There’s more to it than that, but digging into directives is at least one or two stand-alone sessions.</a:t>
+              <a:t>By default, directives work on the current scope, using the current controller. If we want </a:t>
+            </a:r>
+            <a:r>
+              <a:rPr lang="en-US" baseline="0" dirty="0" smtClean="0"/>
+              <a:t>our directives </a:t>
+            </a:r>
+            <a:r>
+              <a:rPr lang="en-US" baseline="0" dirty="0" smtClean="0"/>
+              <a:t>to be reusable, and act as stand-alone components, we can use “isolated” scope, which we’re doing here. We’re creating </a:t>
+            </a:r>
+            <a:r>
+              <a:rPr lang="en-US" baseline="0" dirty="0" smtClean="0"/>
+              <a:t>a scope </a:t>
+            </a:r>
+            <a:r>
+              <a:rPr lang="en-US" baseline="0" dirty="0" smtClean="0"/>
+              <a:t>(viewModel) </a:t>
+            </a:r>
+            <a:r>
+              <a:rPr lang="en-US" baseline="0" dirty="0" smtClean="0"/>
+              <a:t>variable called “color”, </a:t>
+            </a:r>
+            <a:r>
+              <a:rPr lang="en-US" baseline="0" dirty="0" smtClean="0"/>
+              <a:t>which </a:t>
+            </a:r>
+            <a:r>
+              <a:rPr lang="en-US" baseline="0" dirty="0" smtClean="0"/>
+              <a:t>is tied </a:t>
+            </a:r>
+            <a:r>
+              <a:rPr lang="en-US" baseline="0" dirty="0" smtClean="0"/>
+              <a:t>to </a:t>
+            </a:r>
+            <a:r>
+              <a:rPr lang="en-US" baseline="0" dirty="0" smtClean="0"/>
+              <a:t>an attribute </a:t>
+            </a:r>
+            <a:r>
+              <a:rPr lang="en-US" baseline="0" dirty="0" smtClean="0"/>
+              <a:t>or bound data we’re referencing in our directive. The “@” symbol indicates one-way binding between the variable </a:t>
+            </a:r>
+            <a:r>
+              <a:rPr lang="en-US" baseline="0" dirty="0" smtClean="0"/>
+              <a:t>and </a:t>
+            </a:r>
+            <a:r>
+              <a:rPr lang="en-US" baseline="0" dirty="0" smtClean="0"/>
+              <a:t>the bound data we’re using in our directive. </a:t>
+            </a:r>
+            <a:r>
+              <a:rPr lang="en-US" baseline="0" dirty="0" smtClean="0"/>
+              <a:t>Since we need two</a:t>
+            </a:r>
+            <a:r>
+              <a:rPr lang="en-US" baseline="0" dirty="0" smtClean="0"/>
+              <a:t>-way </a:t>
+            </a:r>
+            <a:r>
+              <a:rPr lang="en-US" baseline="0" dirty="0" smtClean="0"/>
+              <a:t>binding here (to apply changes we make to in INPUT, as you’ll see in a moment), we’re using </a:t>
+            </a:r>
+            <a:r>
+              <a:rPr lang="en-US" baseline="0" dirty="0" smtClean="0"/>
+              <a:t>the “=“ symbol instead. There’s more to it than that, but digging into directives is at least one or two stand-alone sessions.</a:t>
             </a:r>
           </a:p>
           <a:p>
@@ -3784,16 +3917,37 @@
           <a:p>
             <a:r>
               <a:rPr lang="en-US" baseline="0" dirty="0" smtClean="0"/>
-              <a:t>We can also define a self-contained controller to handle directive operations, which we’re using here to track visibility of the collapsible item we’re wrapping.</a:t>
-            </a:r>
-          </a:p>
-          <a:p>
+              <a:t>We can also define a self-contained controller to handle directive operations, </a:t>
+            </a:r>
+            <a:r>
+              <a:rPr lang="en-US" baseline="0" dirty="0" smtClean="0"/>
+              <a:t>but we don’t need that here.</a:t>
+            </a:r>
             <a:endParaRPr lang="en-US" baseline="0" dirty="0" smtClean="0"/>
           </a:p>
           <a:p>
+            <a:endParaRPr lang="en-US" baseline="0" dirty="0" smtClean="0"/>
+          </a:p>
+          <a:p>
             <a:r>
               <a:rPr lang="en-US" baseline="0" dirty="0" smtClean="0"/>
-              <a:t>The “transclude” option tells the directive that any content wrapped up inside our directive should be included inside the resulting HTML transformation, within our template’s element that has an ngTransclude attribute. We want this behavior in this directive, because the purpose of our directive is to wrap any HTML in a collapsible wrapper, so we want to retain that HTML in the resulting transformation.</a:t>
+              <a:t>The “transclude” option tells the directive that any content wrapped up inside our directive should be included inside the resulting HTML transformation, within our template’s element that has an ngTransclude attribute. We want this behavior in this directive, because the purpose of our directive is to </a:t>
+            </a:r>
+            <a:r>
+              <a:rPr lang="en-US" baseline="0" dirty="0" smtClean="0"/>
+              <a:t>colorize any </a:t>
+            </a:r>
+            <a:r>
+              <a:rPr lang="en-US" baseline="0" dirty="0" smtClean="0"/>
+              <a:t>HTML </a:t>
+            </a:r>
+            <a:r>
+              <a:rPr lang="en-US" baseline="0" dirty="0" smtClean="0"/>
+              <a:t>we wrap, </a:t>
+            </a:r>
+            <a:r>
+              <a:rPr lang="en-US" baseline="0" dirty="0" smtClean="0"/>
+              <a:t>so we want to retain that HTML in the resulting transformation.</a:t>
             </a:r>
           </a:p>
           <a:p>
@@ -3895,20 +4049,65 @@
           <a:p>
             <a:r>
               <a:rPr lang="en-US" dirty="0" smtClean="0"/>
-              <a:t>We’re going to make our student search</a:t>
+              <a:t>We’re going to make our </a:t>
+            </a:r>
+            <a:r>
+              <a:rPr lang="en-US" dirty="0" smtClean="0"/>
+              <a:t>LI elements colored by the “</a:t>
+            </a:r>
+            <a:r>
+              <a:rPr lang="en-US" dirty="0" err="1" smtClean="0"/>
+              <a:t>chosenColor</a:t>
+            </a:r>
+            <a:r>
+              <a:rPr lang="en-US" dirty="0" smtClean="0"/>
+              <a:t>” we type into the INPUT field</a:t>
             </a:r>
             <a:r>
               <a:rPr lang="en-US" baseline="0" dirty="0" smtClean="0"/>
-              <a:t> filter collapsible.</a:t>
-            </a:r>
-          </a:p>
-          <a:p>
+              <a:t>.</a:t>
+            </a:r>
             <a:endParaRPr lang="en-US" baseline="0" dirty="0" smtClean="0"/>
           </a:p>
           <a:p>
+            <a:endParaRPr lang="en-US" baseline="0" dirty="0" smtClean="0"/>
+          </a:p>
+          <a:p>
             <a:r>
               <a:rPr lang="en-US" baseline="0" dirty="0" smtClean="0"/>
-              <a:t>All we need to do is wrap our filtering HTML with the new “collapsible” element we just created. We created it once, and now we can just simply use it anywhere we need. All the click, hide, and show logic is handled inside the directive.</a:t>
+              <a:t>All we need to do is </a:t>
+            </a:r>
+            <a:r>
+              <a:rPr lang="en-US" baseline="0" dirty="0" smtClean="0"/>
+              <a:t>decorate our LI with </a:t>
+            </a:r>
+            <a:r>
+              <a:rPr lang="en-US" baseline="0" dirty="0" smtClean="0"/>
+              <a:t>the new </a:t>
+            </a:r>
+            <a:r>
+              <a:rPr lang="en-US" baseline="0" dirty="0" smtClean="0"/>
+              <a:t>“colorize” attribute we </a:t>
+            </a:r>
+            <a:r>
+              <a:rPr lang="en-US" baseline="0" dirty="0" smtClean="0"/>
+              <a:t>just </a:t>
+            </a:r>
+            <a:r>
+              <a:rPr lang="en-US" baseline="0" dirty="0" smtClean="0"/>
+              <a:t>created, along with its companion “color” attribute to bind with the color we’ll enter into the INPUT field. </a:t>
+            </a:r>
+            <a:r>
+              <a:rPr lang="en-US" baseline="0" dirty="0" smtClean="0"/>
+              <a:t>We created it once, and now we can just simply use it anywhere we need. All the </a:t>
+            </a:r>
+            <a:r>
+              <a:rPr lang="en-US" baseline="0" dirty="0" smtClean="0"/>
+              <a:t>colorizing logic </a:t>
+            </a:r>
+            <a:r>
+              <a:rPr lang="en-US" baseline="0" dirty="0" smtClean="0"/>
+              <a:t>is handled inside the directive.</a:t>
             </a:r>
           </a:p>
           <a:p>
@@ -3917,7 +4116,60 @@
           <a:p>
             <a:r>
               <a:rPr lang="en-US" baseline="0" dirty="0" smtClean="0"/>
-              <a:t>We just extended the HTML language, and anyone reading our HTML can clearly infer what this tag will do. If we did it the old fashioned way, with something like jQuery, we’d maybe see some &lt;DIV&gt; tags wrapping our filter, and would have to dig into our JavaScript to see how we may be modifying it, if at all. The only hint may have been an extra class given to the DIV. Here, our intentions are quite clear.</a:t>
+              <a:t>We just extended the HTML language, and anyone reading our HTML can clearly infer what this </a:t>
+            </a:r>
+            <a:r>
+              <a:rPr lang="en-US" baseline="0" dirty="0" smtClean="0"/>
+              <a:t>attribute will </a:t>
+            </a:r>
+            <a:r>
+              <a:rPr lang="en-US" baseline="0" dirty="0" smtClean="0"/>
+              <a:t>do. If we did it the old fashioned way, with something like jQuery, we’d maybe see some </a:t>
+            </a:r>
+            <a:r>
+              <a:rPr lang="en-US" baseline="0" dirty="0" smtClean="0"/>
+              <a:t>jQuery code in some JavaScript file to </a:t>
+            </a:r>
+            <a:r>
+              <a:rPr lang="en-US" baseline="0" dirty="0" smtClean="0"/>
+              <a:t>see how </a:t>
+            </a:r>
+            <a:r>
+              <a:rPr lang="en-US" baseline="0" dirty="0" smtClean="0"/>
+              <a:t>and what we </a:t>
+            </a:r>
+            <a:r>
+              <a:rPr lang="en-US" baseline="0" dirty="0" smtClean="0"/>
+              <a:t>may be </a:t>
+            </a:r>
+            <a:r>
+              <a:rPr lang="en-US" baseline="0" dirty="0" smtClean="0"/>
+              <a:t>modifying, </a:t>
+            </a:r>
+            <a:r>
+              <a:rPr lang="en-US" baseline="0" dirty="0" smtClean="0"/>
+              <a:t>if at all. The only hint may have been an extra class given to the </a:t>
+            </a:r>
+            <a:r>
+              <a:rPr lang="en-US" baseline="0" dirty="0" smtClean="0"/>
+              <a:t>LI. </a:t>
+            </a:r>
+            <a:r>
+              <a:rPr lang="en-US" baseline="0" dirty="0" smtClean="0"/>
+              <a:t>Here, our intentions are quite clear</a:t>
+            </a:r>
+            <a:r>
+              <a:rPr lang="en-US" baseline="0" dirty="0" smtClean="0"/>
+              <a:t>.</a:t>
+            </a:r>
+          </a:p>
+          <a:p>
+            <a:endParaRPr lang="en-US" baseline="0" dirty="0" smtClean="0"/>
+          </a:p>
+          <a:p>
+            <a:r>
+              <a:rPr lang="en-US" baseline="0" dirty="0" smtClean="0"/>
+              <a:t>This was a fairly simple directive. Now, let’s take a look at a more complex example…</a:t>
             </a:r>
             <a:endParaRPr lang="en-US" dirty="0"/>
           </a:p>
@@ -4003,10 +4255,220 @@
           <a:bodyPr/>
           <a:lstStyle/>
           <a:p>
+            <a:pPr marL="0" marR="0" indent="0" algn="l" defTabSz="457200" rtl="0" eaLnBrk="1" fontAlgn="auto" latinLnBrk="0" hangingPunct="1">
+              <a:lnSpc>
+                <a:spcPct val="100000"/>
+              </a:lnSpc>
+              <a:spcBef>
+                <a:spcPts val="0"/>
+              </a:spcBef>
+              <a:spcAft>
+                <a:spcPts val="0"/>
+              </a:spcAft>
+              <a:buClrTx/>
+              <a:buSzTx/>
+              <a:buFontTx/>
+              <a:buNone/>
+              <a:tabLst/>
+              <a:defRPr/>
+            </a:pPr>
+            <a:r>
+              <a:rPr lang="en-US" b="1" dirty="0" err="1" smtClean="0"/>
+              <a:t>indexWithAdvancedDirective.html</a:t>
+            </a:r>
+            <a:endParaRPr lang="en-US" b="1" dirty="0" smtClean="0"/>
+          </a:p>
+          <a:p>
+            <a:endParaRPr lang="en-US" dirty="0" smtClean="0"/>
+          </a:p>
+          <a:p>
+            <a:r>
+              <a:rPr lang="en-US" dirty="0" smtClean="0"/>
+              <a:t>Here, we’re </a:t>
+            </a:r>
+            <a:r>
+              <a:rPr lang="en-US" dirty="0" smtClean="0"/>
+              <a:t>going to create a </a:t>
+            </a:r>
+            <a:r>
+              <a:rPr lang="en-US" dirty="0" smtClean="0"/>
+              <a:t>“collapsible” directive.</a:t>
+            </a:r>
+            <a:endParaRPr lang="en-US" dirty="0" smtClean="0"/>
+          </a:p>
+          <a:p>
+            <a:endParaRPr lang="en-US" dirty="0" smtClean="0"/>
+          </a:p>
+          <a:p>
             <a:r>
               <a:rPr lang="en-US" baseline="0" dirty="0" smtClean="0"/>
-              <a:t>As mentioned, there are four types of directives: (E)lement, (A)ttribute, (C)lass, and Co(M)ment. I bet you can guess what each means.</a:t>
-            </a:r>
+              <a:t>We’re passing “title” into our isolated scope using one-way data binding. It simply contains the text we want the user to click on to toggle the display of the wrapped HTML, and since it’s static, we don’t need two-way binding.</a:t>
+            </a:r>
+          </a:p>
+          <a:p>
+            <a:endParaRPr lang="en-US" baseline="0" dirty="0" smtClean="0"/>
+          </a:p>
+          <a:p>
+            <a:r>
+              <a:rPr lang="en-US" dirty="0" smtClean="0"/>
+              <a:t>This time, since this is an element-only</a:t>
+            </a:r>
+            <a:r>
+              <a:rPr lang="en-US" baseline="0" dirty="0" smtClean="0"/>
+              <a:t> directive, we choose to replace the directive with the result from the template.</a:t>
+            </a:r>
+            <a:endParaRPr lang="en-US" baseline="0" dirty="0" smtClean="0"/>
+          </a:p>
+          <a:p>
+            <a:endParaRPr lang="en-US" baseline="0" dirty="0" smtClean="0"/>
+          </a:p>
+          <a:p>
+            <a:r>
+              <a:rPr lang="en-US" baseline="0" dirty="0" smtClean="0"/>
+              <a:t>We’re declaring a “link” method, where we’ll manipulate the DOM before displaying the HTML. Normal parameters passed to the “link” function are scope, which is the scope available to this directive. In this case, it</a:t>
+            </a:r>
+            <a:r>
+              <a:rPr lang="fr-FR" baseline="0" dirty="0" smtClean="0"/>
+              <a:t>’</a:t>
+            </a:r>
+            <a:r>
+              <a:rPr lang="en-US" baseline="0" dirty="0" smtClean="0"/>
+              <a:t>s the isolated scope we defined above. If no isolated scope was used, it would be the parent’s controller scope. The next parameter is “element”, which is a “</a:t>
+            </a:r>
+            <a:r>
+              <a:rPr lang="en-US" baseline="0" dirty="0" err="1" smtClean="0"/>
+              <a:t>jqLite</a:t>
+            </a:r>
+            <a:r>
+              <a:rPr lang="en-US" baseline="0" dirty="0" smtClean="0"/>
+              <a:t>”-wrapped (or jQuery-wrapped – if you include that script before AngularJS) template HTML. You can perform typical jQuery-like DOM manipulation directly on this element, which is what we’re about to do. The next parameter is an array of attributes from the directive. We’re not doing anything with those here. The next parameter is a controller or array of controllers if we’re using directives this directive depends upon. That’s a more advanced topic we’re not covering here. Finally, the last parameter is for referencing the </a:t>
+            </a:r>
+            <a:r>
+              <a:rPr lang="en-US" baseline="0" dirty="0" err="1" smtClean="0"/>
+              <a:t>transclude</a:t>
+            </a:r>
+            <a:r>
+              <a:rPr lang="en-US" baseline="0" dirty="0" smtClean="0"/>
+              <a:t> function if we need to manipulate the HTML our directive is wrapping.</a:t>
+            </a:r>
+          </a:p>
+          <a:p>
+            <a:endParaRPr lang="en-US" baseline="0" dirty="0" smtClean="0"/>
+          </a:p>
+          <a:p>
+            <a:r>
+              <a:rPr lang="en-US" baseline="0" dirty="0" smtClean="0"/>
+              <a:t>We’re calling the </a:t>
+            </a:r>
+            <a:r>
+              <a:rPr lang="en-US" baseline="0" dirty="0" err="1" smtClean="0"/>
+              <a:t>transclude</a:t>
+            </a:r>
+            <a:r>
+              <a:rPr lang="en-US" baseline="0" dirty="0" smtClean="0"/>
+              <a:t> function here, because </a:t>
+            </a:r>
+            <a:r>
+              <a:rPr lang="en-US" baseline="0" dirty="0" err="1" smtClean="0"/>
+              <a:t>transcluded</a:t>
+            </a:r>
+            <a:r>
+              <a:rPr lang="en-US" baseline="0" dirty="0" smtClean="0"/>
+              <a:t> HTML does not use isolated scope, AND because it gets a new COPY of the outside controller's scope, we can't do two way data binding on the data model that may be referenced in the </a:t>
+            </a:r>
+            <a:r>
+              <a:rPr lang="en-US" baseline="0" dirty="0" err="1" smtClean="0"/>
+              <a:t>transcluded</a:t>
+            </a:r>
+            <a:r>
+              <a:rPr lang="en-US" baseline="0" dirty="0" smtClean="0"/>
+              <a:t> HTML unless we "clone" the elements at link time. That’s the case here, since we’re wrapping the INPUT field, and we need to access the parent  scope to filter out the data. We have to remove the originally </a:t>
+            </a:r>
+            <a:r>
+              <a:rPr lang="en-US" baseline="0" dirty="0" err="1" smtClean="0"/>
+              <a:t>transcluded</a:t>
+            </a:r>
+            <a:r>
+              <a:rPr lang="en-US" baseline="0" dirty="0" smtClean="0"/>
+              <a:t> HTML, otherwise we'll have a double </a:t>
+            </a:r>
+            <a:r>
+              <a:rPr lang="en-US" baseline="0" dirty="0" err="1" smtClean="0"/>
+              <a:t>occurance</a:t>
+            </a:r>
+            <a:r>
+              <a:rPr lang="en-US" baseline="0" dirty="0" smtClean="0"/>
+              <a:t> of the INPUT tag, with the original not working due to the scope issue mentioned above. So we need to remove that element first, then append the “cloned” version. A cloned version gets passed to the </a:t>
+            </a:r>
+            <a:r>
+              <a:rPr lang="en-US" baseline="0" dirty="0" err="1" smtClean="0"/>
+              <a:t>transclude</a:t>
+            </a:r>
+            <a:r>
+              <a:rPr lang="en-US" baseline="0" dirty="0" smtClean="0"/>
+              <a:t> function, along with the scope passed in from the link function. Note that we’re passing the parent scope to the link function, since we need the wrapped (</a:t>
+            </a:r>
+            <a:r>
+              <a:rPr lang="en-US" baseline="0" dirty="0" err="1" smtClean="0"/>
+              <a:t>transcluded</a:t>
+            </a:r>
+            <a:r>
+              <a:rPr lang="en-US" baseline="0" dirty="0" smtClean="0"/>
+              <a:t>) HTML to make use of it.</a:t>
+            </a:r>
+          </a:p>
+          <a:p>
+            <a:endParaRPr lang="en-US" baseline="0" dirty="0" smtClean="0"/>
+          </a:p>
+          <a:p>
+            <a:r>
+              <a:rPr lang="en-US" baseline="0" dirty="0" smtClean="0"/>
+              <a:t>I banged my head against this for days, and it's still not crystalized in my mind. When I finally do </a:t>
+            </a:r>
+            <a:r>
+              <a:rPr lang="en-US" baseline="0" dirty="0" err="1" smtClean="0"/>
+              <a:t>grok</a:t>
+            </a:r>
+            <a:r>
+              <a:rPr lang="en-US" baseline="0" dirty="0" smtClean="0"/>
+              <a:t> it, I'll update my comments.</a:t>
+            </a:r>
+          </a:p>
+          <a:p>
+            <a:endParaRPr lang="en-US" baseline="0" dirty="0" smtClean="0"/>
+          </a:p>
+          <a:p>
+            <a:r>
+              <a:rPr lang="en-US" baseline="0" dirty="0" smtClean="0"/>
+              <a:t>Here, we are making use of a </a:t>
+            </a:r>
+            <a:r>
+              <a:rPr lang="en-US" baseline="0" dirty="0" smtClean="0"/>
+              <a:t>self-contained controller to handle directive </a:t>
+            </a:r>
+            <a:r>
+              <a:rPr lang="en-US" baseline="0" dirty="0" smtClean="0"/>
+              <a:t>operations. We’re </a:t>
+            </a:r>
+            <a:r>
+              <a:rPr lang="en-US" baseline="0" dirty="0" smtClean="0"/>
+              <a:t>using </a:t>
+            </a:r>
+            <a:r>
+              <a:rPr lang="en-US" baseline="0" dirty="0" smtClean="0"/>
+              <a:t>it here </a:t>
+            </a:r>
+            <a:r>
+              <a:rPr lang="en-US" baseline="0" dirty="0" smtClean="0"/>
+              <a:t>to track visibility of the collapsible item we’re wrapping</a:t>
+            </a:r>
+            <a:r>
+              <a:rPr lang="en-US" baseline="0" dirty="0" smtClean="0"/>
+              <a:t>. Note that we need to access the parent scope, not the isolated scope, to clear out any filtering when we hide the filter input.</a:t>
+            </a:r>
+            <a:endParaRPr lang="en-US" baseline="0" dirty="0" smtClean="0"/>
+          </a:p>
+          <a:p>
             <a:endParaRPr lang="en-US" dirty="0"/>
           </a:p>
         </p:txBody>
@@ -4092,21 +4554,12 @@
           <a:lstStyle/>
           <a:p>
             <a:r>
-              <a:rPr lang="en-US" b="1" dirty="0" smtClean="0"/>
-              <a:t>indexWithFilter.html</a:t>
-            </a:r>
-          </a:p>
-          <a:p>
-            <a:endParaRPr lang="en-US" dirty="0" smtClean="0"/>
-          </a:p>
-          <a:p>
-            <a:r>
               <a:rPr lang="en-US" dirty="0" smtClean="0"/>
-              <a:t>We’ve seen some of AngularJS’s built-in filters. You</a:t>
+              <a:t>We’re going to make our student search</a:t>
             </a:r>
             <a:r>
               <a:rPr lang="en-US" baseline="0" dirty="0" smtClean="0"/>
-              <a:t> can create your own filters as well.</a:t>
+              <a:t> filter collapsible.</a:t>
             </a:r>
           </a:p>
           <a:p>
@@ -4115,7 +4568,28 @@
           <a:p>
             <a:r>
               <a:rPr lang="en-US" baseline="0" dirty="0" smtClean="0"/>
-              <a:t>We’ll build a simple example that spaces out text.</a:t>
+              <a:t>All we need to do is wrap our filtering HTML with the new “collapsible” element we just created. We created it once, and now we can just simply use it anywhere we need. All the click, hide, and show logic is handled inside the directive.</a:t>
+            </a:r>
+          </a:p>
+          <a:p>
+            <a:endParaRPr lang="en-US" baseline="0" dirty="0" smtClean="0"/>
+          </a:p>
+          <a:p>
+            <a:r>
+              <a:rPr lang="en-US" baseline="0" dirty="0" smtClean="0"/>
+              <a:t>We just extended the HTML language, and anyone reading our HTML can clearly infer what this tag will do. If we did it the old fashioned way, with something like jQuery, we’d maybe see some &lt;DIV&gt; tags wrapping our filter, and would have to dig into our JavaScript to see how we may be modifying it, if at all. The only hint may have been an extra class given to the DIV. </a:t>
+            </a:r>
+            <a:r>
+              <a:rPr lang="en-US" baseline="0" dirty="0" smtClean="0"/>
+              <a:t>Again, </a:t>
+            </a:r>
+            <a:r>
+              <a:rPr lang="en-US" baseline="0" dirty="0" smtClean="0"/>
+              <a:t>our intentions are quite </a:t>
+            </a:r>
+            <a:r>
+              <a:rPr lang="en-US" baseline="0" dirty="0" smtClean="0"/>
+              <a:t>clear by using a directive.</a:t>
             </a:r>
             <a:endParaRPr lang="en-US" dirty="0"/>
           </a:p>
@@ -4147,7 +4621,7 @@
     </p:spTree>
     <p:extLst>
       <p:ext uri="{BB962C8B-B14F-4D97-AF65-F5344CB8AC3E}">
-        <p14:creationId xmlns:p14="http://schemas.microsoft.com/office/powerpoint/2010/main" val="2405145297"/>
+        <p14:creationId xmlns:p14="http://schemas.microsoft.com/office/powerpoint/2010/main" val="3891704722"/>
       </p:ext>
     </p:extLst>
   </p:cSld>
@@ -4202,47 +4676,9 @@
           <a:lstStyle/>
           <a:p>
             <a:r>
-              <a:rPr lang="en-US" dirty="0" smtClean="0"/>
-              <a:t>Like we did with directives, we just call a method, “filter” on our module.</a:t>
-            </a:r>
-          </a:p>
-          <a:p>
-            <a:endParaRPr lang="en-US" dirty="0" smtClean="0"/>
-          </a:p>
-          <a:p>
-            <a:r>
-              <a:rPr lang="en-US" dirty="0" smtClean="0"/>
-              <a:t>Filters return a function that handles the filtering. This function takes a</a:t>
-            </a:r>
-            <a:r>
               <a:rPr lang="en-US" baseline="0" dirty="0" smtClean="0"/>
-              <a:t> parameter of the values to apply the filter to; in this case “text”.</a:t>
-            </a:r>
-          </a:p>
-          <a:p>
-            <a:endParaRPr lang="en-US" baseline="0" dirty="0" smtClean="0"/>
-          </a:p>
-          <a:p>
-            <a:r>
-              <a:rPr lang="en-US" baseline="0" dirty="0" smtClean="0"/>
-              <a:t>The function returns the result of the transformation.</a:t>
-            </a:r>
-          </a:p>
-          <a:p>
-            <a:endParaRPr lang="en-US" baseline="0" dirty="0" smtClean="0"/>
-          </a:p>
-          <a:p>
-            <a:r>
-              <a:rPr lang="en-US" dirty="0" smtClean="0"/>
-              <a:t>Filters can take parameters, like the built-in “orderBy” filter, by passing them into the outer function</a:t>
-            </a:r>
-            <a:r>
-              <a:rPr lang="en-US" baseline="0" dirty="0" smtClean="0"/>
-              <a:t> call. We don’t need any here.</a:t>
-            </a:r>
-            <a:endParaRPr lang="en-US" dirty="0" smtClean="0"/>
-          </a:p>
-          <a:p>
+              <a:t>As mentioned, there are four types of directives: (E)lement, (A)ttribute, (C)lass, and Co(M)ment. I bet you can guess what each means.</a:t>
+            </a:r>
             <a:endParaRPr lang="en-US" dirty="0"/>
           </a:p>
         </p:txBody>
@@ -4273,7 +4709,7 @@
     </p:spTree>
     <p:extLst>
       <p:ext uri="{BB962C8B-B14F-4D97-AF65-F5344CB8AC3E}">
-        <p14:creationId xmlns:p14="http://schemas.microsoft.com/office/powerpoint/2010/main" val="2405145297"/>
+        <p14:creationId xmlns:p14="http://schemas.microsoft.com/office/powerpoint/2010/main" val="3891704722"/>
       </p:ext>
     </p:extLst>
   </p:cSld>
@@ -4328,9 +4764,32 @@
           <a:lstStyle/>
           <a:p>
             <a:r>
+              <a:rPr lang="en-US" b="1" dirty="0" smtClean="0"/>
+              <a:t>indexWithFilter.html</a:t>
+            </a:r>
+          </a:p>
+          <a:p>
+            <a:endParaRPr lang="en-US" dirty="0" smtClean="0"/>
+          </a:p>
+          <a:p>
+            <a:r>
               <a:rPr lang="en-US" dirty="0" smtClean="0"/>
-              <a:t>Then we just use it like any built-in AngularJS filter. That’s it.</a:t>
-            </a:r>
+              <a:t>We’ve seen some of AngularJS’s built-in filters. You</a:t>
+            </a:r>
+            <a:r>
+              <a:rPr lang="en-US" baseline="0" dirty="0" smtClean="0"/>
+              <a:t> can create your own filters as well.</a:t>
+            </a:r>
+          </a:p>
+          <a:p>
+            <a:endParaRPr lang="en-US" baseline="0" dirty="0" smtClean="0"/>
+          </a:p>
+          <a:p>
+            <a:r>
+              <a:rPr lang="en-US" baseline="0" dirty="0" smtClean="0"/>
+              <a:t>We’ll build a simple example that spaces out text.</a:t>
+            </a:r>
+            <a:endParaRPr lang="en-US" dirty="0"/>
           </a:p>
         </p:txBody>
       </p:sp>
@@ -4415,8 +4874,8 @@
           <a:lstStyle/>
           <a:p>
             <a:r>
-              <a:rPr lang="en-US" b="1" dirty="0" smtClean="0"/>
-              <a:t>indexWithHttp.html</a:t>
+              <a:rPr lang="en-US" dirty="0" smtClean="0"/>
+              <a:t>Like we did with directives, we just call a method, “filter” on our module.</a:t>
             </a:r>
           </a:p>
           <a:p>
@@ -4425,11 +4884,11 @@
           <a:p>
             <a:r>
               <a:rPr lang="en-US" dirty="0" smtClean="0"/>
-              <a:t>Up to this point, we’ve only grabbed our data from hard-coded objects.</a:t>
+              <a:t>Filters return a function that handles the filtering. This function takes a</a:t>
             </a:r>
             <a:r>
               <a:rPr lang="en-US" baseline="0" dirty="0" smtClean="0"/>
-              <a:t> Normally, though, we’d be accessing our data over the Web, either via web services, REST, OData, and related calls.</a:t>
+              <a:t> parameter of the values to apply the filter to; in this case “text”.</a:t>
             </a:r>
           </a:p>
           <a:p>
@@ -4438,8 +4897,24 @@
           <a:p>
             <a:r>
               <a:rPr lang="en-US" baseline="0" dirty="0" smtClean="0"/>
-              <a:t>AngularJS has a built-in http service (called, $http – the dollar sign prefix again). This is similar to jQuery’s built-in remote access functionality.</a:t>
-            </a:r>
+              <a:t>The function returns the result of the transformation.</a:t>
+            </a:r>
+          </a:p>
+          <a:p>
+            <a:endParaRPr lang="en-US" baseline="0" dirty="0" smtClean="0"/>
+          </a:p>
+          <a:p>
+            <a:r>
+              <a:rPr lang="en-US" dirty="0" smtClean="0"/>
+              <a:t>Filters can take parameters, like the built-in “orderBy” filter, by passing them into the outer function</a:t>
+            </a:r>
+            <a:r>
+              <a:rPr lang="en-US" baseline="0" dirty="0" smtClean="0"/>
+              <a:t> call. We don’t need any here.</a:t>
+            </a:r>
+            <a:endParaRPr lang="en-US" dirty="0" smtClean="0"/>
+          </a:p>
+          <a:p>
             <a:endParaRPr lang="en-US" dirty="0"/>
           </a:p>
         </p:txBody>
@@ -4470,7 +4945,7 @@
     </p:spTree>
     <p:extLst>
       <p:ext uri="{BB962C8B-B14F-4D97-AF65-F5344CB8AC3E}">
-        <p14:creationId xmlns:p14="http://schemas.microsoft.com/office/powerpoint/2010/main" val="1472131231"/>
+        <p14:creationId xmlns:p14="http://schemas.microsoft.com/office/powerpoint/2010/main" val="2405145297"/>
       </p:ext>
     </p:extLst>
   </p:cSld>
@@ -4799,22 +5274,8 @@
           <a:p>
             <a:r>
               <a:rPr lang="en-US" dirty="0" smtClean="0"/>
-              <a:t>For</a:t>
-            </a:r>
-            <a:r>
-              <a:rPr lang="en-US" baseline="0" dirty="0" smtClean="0"/>
-              <a:t> the most part, accessing remote data via AngularJS is handled asynchronously, making use of “promises” to handle responses. It also makes it easy for us to chain several promises together, but that’s a topic for a more advanced session</a:t>
-            </a:r>
-          </a:p>
-          <a:p>
-            <a:endParaRPr lang="en-US" baseline="0" dirty="0" smtClean="0"/>
-          </a:p>
-          <a:p>
-            <a:r>
-              <a:rPr lang="en-US" baseline="0" dirty="0" smtClean="0"/>
-              <a:t>Let’s get rid of our hard-coded data, and at least place our data in JSON files in order to access it via $http.</a:t>
-            </a:r>
-            <a:endParaRPr lang="en-US" dirty="0"/>
+              <a:t>Then we just use it like any built-in AngularJS filter. That’s it.</a:t>
+            </a:r>
           </a:p>
         </p:txBody>
       </p:sp>
@@ -4844,7 +5305,7 @@
     </p:spTree>
     <p:extLst>
       <p:ext uri="{BB962C8B-B14F-4D97-AF65-F5344CB8AC3E}">
-        <p14:creationId xmlns:p14="http://schemas.microsoft.com/office/powerpoint/2010/main" val="794157913"/>
+        <p14:creationId xmlns:p14="http://schemas.microsoft.com/office/powerpoint/2010/main" val="2405145297"/>
       </p:ext>
     </p:extLst>
   </p:cSld>
@@ -4899,12 +5360,21 @@
           <a:lstStyle/>
           <a:p>
             <a:r>
+              <a:rPr lang="en-US" b="1" dirty="0" smtClean="0"/>
+              <a:t>indexWithHttp.html</a:t>
+            </a:r>
+          </a:p>
+          <a:p>
+            <a:endParaRPr lang="en-US" dirty="0" smtClean="0"/>
+          </a:p>
+          <a:p>
+            <a:r>
               <a:rPr lang="en-US" dirty="0" smtClean="0"/>
-              <a:t>In</a:t>
+              <a:t>Up to this point, we’ve only grabbed our data from hard-coded objects.</a:t>
             </a:r>
             <a:r>
               <a:rPr lang="en-US" baseline="0" dirty="0" smtClean="0"/>
-              <a:t> our studentRepository service, we had hard-coded our students data source. But in this version, we are first injecting the $http service to our service.</a:t>
+              <a:t> Normally, though, we’d be accessing our data over the Web, either via web services, REST, OData, and related calls.</a:t>
             </a:r>
           </a:p>
           <a:p>
@@ -4913,22 +5383,8 @@
           <a:p>
             <a:r>
               <a:rPr lang="en-US" baseline="0" dirty="0" smtClean="0"/>
-              <a:t>What this will get us is a promise, which we’ll have to act upon afterwards.</a:t>
-            </a:r>
-          </a:p>
-          <a:p>
-            <a:endParaRPr lang="en-US" baseline="0" dirty="0" smtClean="0"/>
-          </a:p>
-          <a:p>
-            <a:r>
-              <a:rPr lang="en-US" baseline="0" dirty="0" smtClean="0"/>
-              <a:t>There are several ways you can make use of $http, but calling its “get” method is the simplest, and all we really need to load all of the students from our repository.</a:t>
-            </a:r>
-          </a:p>
-          <a:p>
-            <a:endParaRPr lang="en-US" baseline="0" dirty="0" smtClean="0"/>
-          </a:p>
-          <a:p>
+              <a:t>AngularJS has a built-in http service (called, $http – the dollar sign prefix again). This is similar to jQuery’s built-in remote access functionality.</a:t>
+            </a:r>
             <a:endParaRPr lang="en-US" dirty="0"/>
           </a:p>
         </p:txBody>
@@ -4959,7 +5415,7 @@
     </p:spTree>
     <p:extLst>
       <p:ext uri="{BB962C8B-B14F-4D97-AF65-F5344CB8AC3E}">
-        <p14:creationId xmlns:p14="http://schemas.microsoft.com/office/powerpoint/2010/main" val="794157913"/>
+        <p14:creationId xmlns:p14="http://schemas.microsoft.com/office/powerpoint/2010/main" val="1472131231"/>
       </p:ext>
     </p:extLst>
   </p:cSld>
@@ -5015,11 +5471,11 @@
           <a:p>
             <a:r>
               <a:rPr lang="en-US" dirty="0" smtClean="0"/>
-              <a:t>As</a:t>
+              <a:t>For</a:t>
             </a:r>
             <a:r>
               <a:rPr lang="en-US" baseline="0" dirty="0" smtClean="0"/>
-              <a:t> I mentioned, when we call getStudents, what we get back is a promise. When the data returns to us, we handle the response through the promise’s “then” function.</a:t>
+              <a:t> the most part, accessing remote data via AngularJS is handled asynchronously, making use of “promises” to handle responses. It also makes it easy for us to chain several promises together, but that’s a topic for a more advanced session</a:t>
             </a:r>
           </a:p>
           <a:p>
@@ -5028,25 +5484,7 @@
           <a:p>
             <a:r>
               <a:rPr lang="en-US" baseline="0" dirty="0" smtClean="0"/>
-              <a:t>We grab the actual data (in this case, the JSON object) from the “data” attribute of the result.</a:t>
-            </a:r>
-          </a:p>
-          <a:p>
-            <a:endParaRPr lang="en-US" baseline="0" dirty="0" smtClean="0"/>
-          </a:p>
-          <a:p>
-            <a:r>
-              <a:rPr lang="en-US" baseline="0" dirty="0" smtClean="0"/>
-              <a:t>And that’s basically it. Like before, we’re assigning it to “students” on our scope, and AngularJS automatically refreshes the UI using two-way model binding as we’ve seen before.</a:t>
-            </a:r>
-          </a:p>
-          <a:p>
-            <a:endParaRPr lang="en-US" baseline="0" dirty="0" smtClean="0"/>
-          </a:p>
-          <a:p>
-            <a:r>
-              <a:rPr lang="en-US" baseline="0" dirty="0" smtClean="0"/>
-              <a:t>Overall, we’ve written maybe 20% of the JavaScript code we’d write before AngularJS. We’ve taken advantage of Angular’s declarative nature to decorate our HTML, and have left the custom imperative business logic mainly in our services, which we’ve injected into our controllers.</a:t>
+              <a:t>Let’s get rid of our hard-coded data, and at least place our data in JSON files in order to access it via $http.</a:t>
             </a:r>
             <a:endParaRPr lang="en-US" dirty="0"/>
           </a:p>
@@ -5132,6 +5570,37 @@
           <a:bodyPr/>
           <a:lstStyle/>
           <a:p>
+            <a:r>
+              <a:rPr lang="en-US" dirty="0" smtClean="0"/>
+              <a:t>In</a:t>
+            </a:r>
+            <a:r>
+              <a:rPr lang="en-US" baseline="0" dirty="0" smtClean="0"/>
+              <a:t> our studentRepository service, we had hard-coded our students data source. But in this version, we are first injecting the $http service to our service.</a:t>
+            </a:r>
+          </a:p>
+          <a:p>
+            <a:endParaRPr lang="en-US" baseline="0" dirty="0" smtClean="0"/>
+          </a:p>
+          <a:p>
+            <a:r>
+              <a:rPr lang="en-US" baseline="0" dirty="0" smtClean="0"/>
+              <a:t>What this will get us is a promise, which we’ll have to act upon afterwards.</a:t>
+            </a:r>
+          </a:p>
+          <a:p>
+            <a:endParaRPr lang="en-US" baseline="0" dirty="0" smtClean="0"/>
+          </a:p>
+          <a:p>
+            <a:r>
+              <a:rPr lang="en-US" baseline="0" dirty="0" smtClean="0"/>
+              <a:t>There are several ways you can make use of $http, but calling its “get” method is the simplest, and all we really need to load all of the students from our repository.</a:t>
+            </a:r>
+          </a:p>
+          <a:p>
+            <a:endParaRPr lang="en-US" baseline="0" dirty="0" smtClean="0"/>
+          </a:p>
+          <a:p>
             <a:endParaRPr lang="en-US" dirty="0"/>
           </a:p>
         </p:txBody>
@@ -5154,6 +5623,209 @@
             <a:fld id="{863B625E-CF3C-F846-B514-E214F25D5D25}" type="slidenum">
               <a:rPr lang="en-US" smtClean="0"/>
               <a:t>43</a:t>
+            </a:fld>
+            <a:endParaRPr lang="en-US" dirty="0"/>
+          </a:p>
+        </p:txBody>
+      </p:sp>
+    </p:spTree>
+    <p:extLst>
+      <p:ext uri="{BB962C8B-B14F-4D97-AF65-F5344CB8AC3E}">
+        <p14:creationId xmlns:p14="http://schemas.microsoft.com/office/powerpoint/2010/main" val="794157913"/>
+      </p:ext>
+    </p:extLst>
+  </p:cSld>
+  <p:clrMapOvr>
+    <a:masterClrMapping/>
+  </p:clrMapOvr>
+</p:notes>
+</file>
+
+<file path=ppt/notesSlides/notesSlide44.xml><?xml version="1.0" encoding="utf-8"?>
+<p:notes xmlns:a="http://schemas.openxmlformats.org/drawingml/2006/main" xmlns:r="http://schemas.openxmlformats.org/officeDocument/2006/relationships" xmlns:p="http://schemas.openxmlformats.org/presentationml/2006/main">
+  <p:cSld>
+    <p:spTree>
+      <p:nvGrpSpPr>
+        <p:cNvPr id="1" name=""/>
+        <p:cNvGrpSpPr/>
+        <p:nvPr/>
+      </p:nvGrpSpPr>
+      <p:grpSpPr>
+        <a:xfrm>
+          <a:off x="0" y="0"/>
+          <a:ext cx="0" cy="0"/>
+          <a:chOff x="0" y="0"/>
+          <a:chExt cx="0" cy="0"/>
+        </a:xfrm>
+      </p:grpSpPr>
+      <p:sp>
+        <p:nvSpPr>
+          <p:cNvPr id="2" name="Slide Image Placeholder 1"/>
+          <p:cNvSpPr>
+            <a:spLocks noGrp="1" noRot="1" noChangeAspect="1"/>
+          </p:cNvSpPr>
+          <p:nvPr>
+            <p:ph type="sldImg"/>
+          </p:nvPr>
+        </p:nvSpPr>
+        <p:spPr/>
+      </p:sp>
+      <p:sp>
+        <p:nvSpPr>
+          <p:cNvPr id="3" name="Notes Placeholder 2"/>
+          <p:cNvSpPr>
+            <a:spLocks noGrp="1"/>
+          </p:cNvSpPr>
+          <p:nvPr>
+            <p:ph type="body" idx="1"/>
+          </p:nvPr>
+        </p:nvSpPr>
+        <p:spPr/>
+        <p:txBody>
+          <a:bodyPr/>
+          <a:lstStyle/>
+          <a:p>
+            <a:r>
+              <a:rPr lang="en-US" dirty="0" smtClean="0"/>
+              <a:t>As</a:t>
+            </a:r>
+            <a:r>
+              <a:rPr lang="en-US" baseline="0" dirty="0" smtClean="0"/>
+              <a:t> I mentioned, when we call getStudents, what we get back is a promise. When the data returns to us, we handle the response through the promise’s “then” function.</a:t>
+            </a:r>
+          </a:p>
+          <a:p>
+            <a:endParaRPr lang="en-US" baseline="0" dirty="0" smtClean="0"/>
+          </a:p>
+          <a:p>
+            <a:r>
+              <a:rPr lang="en-US" baseline="0" dirty="0" smtClean="0"/>
+              <a:t>We grab the actual data (in this case, the JSON object) from the “data” attribute of the result.</a:t>
+            </a:r>
+          </a:p>
+          <a:p>
+            <a:endParaRPr lang="en-US" baseline="0" dirty="0" smtClean="0"/>
+          </a:p>
+          <a:p>
+            <a:r>
+              <a:rPr lang="en-US" baseline="0" dirty="0" smtClean="0"/>
+              <a:t>And that’s basically it. Like before, we’re assigning it to “students” on our scope, and AngularJS automatically refreshes the UI using two-way model binding as we’ve seen before.</a:t>
+            </a:r>
+          </a:p>
+          <a:p>
+            <a:endParaRPr lang="en-US" baseline="0" dirty="0" smtClean="0"/>
+          </a:p>
+          <a:p>
+            <a:r>
+              <a:rPr lang="en-US" baseline="0" dirty="0" smtClean="0"/>
+              <a:t>Overall, we’ve written maybe 20% of the JavaScript code we’d write before AngularJS. We’ve taken advantage of Angular’s declarative nature to decorate our HTML, and have left the custom imperative business logic mainly in our services, which we’ve injected into our controllers.</a:t>
+            </a:r>
+            <a:endParaRPr lang="en-US" dirty="0"/>
+          </a:p>
+        </p:txBody>
+      </p:sp>
+      <p:sp>
+        <p:nvSpPr>
+          <p:cNvPr id="4" name="Slide Number Placeholder 3"/>
+          <p:cNvSpPr>
+            <a:spLocks noGrp="1"/>
+          </p:cNvSpPr>
+          <p:nvPr>
+            <p:ph type="sldNum" sz="quarter" idx="10"/>
+          </p:nvPr>
+        </p:nvSpPr>
+        <p:spPr/>
+        <p:txBody>
+          <a:bodyPr/>
+          <a:lstStyle/>
+          <a:p>
+            <a:fld id="{863B625E-CF3C-F846-B514-E214F25D5D25}" type="slidenum">
+              <a:rPr lang="en-US" smtClean="0"/>
+              <a:t>44</a:t>
+            </a:fld>
+            <a:endParaRPr lang="en-US" dirty="0"/>
+          </a:p>
+        </p:txBody>
+      </p:sp>
+    </p:spTree>
+    <p:extLst>
+      <p:ext uri="{BB962C8B-B14F-4D97-AF65-F5344CB8AC3E}">
+        <p14:creationId xmlns:p14="http://schemas.microsoft.com/office/powerpoint/2010/main" val="794157913"/>
+      </p:ext>
+    </p:extLst>
+  </p:cSld>
+  <p:clrMapOvr>
+    <a:masterClrMapping/>
+  </p:clrMapOvr>
+</p:notes>
+</file>
+
+<file path=ppt/notesSlides/notesSlide45.xml><?xml version="1.0" encoding="utf-8"?>
+<p:notes xmlns:a="http://schemas.openxmlformats.org/drawingml/2006/main" xmlns:r="http://schemas.openxmlformats.org/officeDocument/2006/relationships" xmlns:p="http://schemas.openxmlformats.org/presentationml/2006/main">
+  <p:cSld>
+    <p:spTree>
+      <p:nvGrpSpPr>
+        <p:cNvPr id="1" name=""/>
+        <p:cNvGrpSpPr/>
+        <p:nvPr/>
+      </p:nvGrpSpPr>
+      <p:grpSpPr>
+        <a:xfrm>
+          <a:off x="0" y="0"/>
+          <a:ext cx="0" cy="0"/>
+          <a:chOff x="0" y="0"/>
+          <a:chExt cx="0" cy="0"/>
+        </a:xfrm>
+      </p:grpSpPr>
+      <p:sp>
+        <p:nvSpPr>
+          <p:cNvPr id="2" name="Slide Image Placeholder 1"/>
+          <p:cNvSpPr>
+            <a:spLocks noGrp="1" noRot="1" noChangeAspect="1"/>
+          </p:cNvSpPr>
+          <p:nvPr>
+            <p:ph type="sldImg"/>
+          </p:nvPr>
+        </p:nvSpPr>
+        <p:spPr/>
+      </p:sp>
+      <p:sp>
+        <p:nvSpPr>
+          <p:cNvPr id="3" name="Notes Placeholder 2"/>
+          <p:cNvSpPr>
+            <a:spLocks noGrp="1"/>
+          </p:cNvSpPr>
+          <p:nvPr>
+            <p:ph type="body" idx="1"/>
+          </p:nvPr>
+        </p:nvSpPr>
+        <p:spPr/>
+        <p:txBody>
+          <a:bodyPr/>
+          <a:lstStyle/>
+          <a:p>
+            <a:endParaRPr lang="en-US" dirty="0"/>
+          </a:p>
+        </p:txBody>
+      </p:sp>
+      <p:sp>
+        <p:nvSpPr>
+          <p:cNvPr id="4" name="Slide Number Placeholder 3"/>
+          <p:cNvSpPr>
+            <a:spLocks noGrp="1"/>
+          </p:cNvSpPr>
+          <p:nvPr>
+            <p:ph type="sldNum" sz="quarter" idx="10"/>
+          </p:nvPr>
+        </p:nvSpPr>
+        <p:spPr/>
+        <p:txBody>
+          <a:bodyPr/>
+          <a:lstStyle/>
+          <a:p>
+            <a:fld id="{863B625E-CF3C-F846-B514-E214F25D5D25}" type="slidenum">
+              <a:rPr lang="en-US" smtClean="0"/>
+              <a:t>45</a:t>
             </a:fld>
             <a:endParaRPr lang="en-US" dirty="0"/>
           </a:p>
@@ -5962,7 +6634,7 @@
           <a:p>
             <a:fld id="{D7C3A134-F1C3-464B-BF47-54DC2DE08F52}" type="datetimeFigureOut">
               <a:rPr lang="en-US" smtClean="0"/>
-              <a:t>5/30/14</a:t>
+              <a:t>6/5/14</a:t>
             </a:fld>
             <a:endParaRPr lang="en-US" dirty="0"/>
           </a:p>
@@ -6185,7 +6857,7 @@
           <a:p>
             <a:fld id="{D7C3A134-F1C3-464B-BF47-54DC2DE08F52}" type="datetimeFigureOut">
               <a:rPr lang="en-US" smtClean="0"/>
-              <a:t>5/30/14</a:t>
+              <a:t>6/5/14</a:t>
             </a:fld>
             <a:endParaRPr lang="en-US" dirty="0"/>
           </a:p>
@@ -6465,7 +7137,7 @@
           <a:p>
             <a:fld id="{D7C3A134-F1C3-464B-BF47-54DC2DE08F52}" type="datetimeFigureOut">
               <a:rPr lang="en-US" smtClean="0"/>
-              <a:t>5/30/14</a:t>
+              <a:t>6/5/14</a:t>
             </a:fld>
             <a:endParaRPr lang="en-US" dirty="0"/>
           </a:p>
@@ -6644,7 +7316,7 @@
           <a:p>
             <a:fld id="{D7C3A134-F1C3-464B-BF47-54DC2DE08F52}" type="datetimeFigureOut">
               <a:rPr lang="en-US" smtClean="0"/>
-              <a:t>5/30/14</a:t>
+              <a:t>6/5/14</a:t>
             </a:fld>
             <a:endParaRPr lang="en-US" dirty="0"/>
           </a:p>
@@ -7002,7 +7674,7 @@
           <a:p>
             <a:fld id="{D7C3A134-F1C3-464B-BF47-54DC2DE08F52}" type="datetimeFigureOut">
               <a:rPr lang="en-US" smtClean="0"/>
-              <a:t>5/30/14</a:t>
+              <a:t>6/5/14</a:t>
             </a:fld>
             <a:endParaRPr lang="en-US" dirty="0"/>
           </a:p>
@@ -7289,7 +7961,7 @@
           <a:p>
             <a:fld id="{D7C3A134-F1C3-464B-BF47-54DC2DE08F52}" type="datetimeFigureOut">
               <a:rPr lang="en-US" smtClean="0"/>
-              <a:t>5/30/14</a:t>
+              <a:t>6/5/14</a:t>
             </a:fld>
             <a:endParaRPr lang="en-US" dirty="0"/>
           </a:p>
@@ -7711,7 +8383,7 @@
           <a:p>
             <a:fld id="{D7C3A134-F1C3-464B-BF47-54DC2DE08F52}" type="datetimeFigureOut">
               <a:rPr lang="en-US" smtClean="0"/>
-              <a:t>5/30/14</a:t>
+              <a:t>6/5/14</a:t>
             </a:fld>
             <a:endParaRPr lang="en-US" dirty="0"/>
           </a:p>
@@ -7826,7 +8498,7 @@
           <a:p>
             <a:fld id="{D7C3A134-F1C3-464B-BF47-54DC2DE08F52}" type="datetimeFigureOut">
               <a:rPr lang="en-US" smtClean="0"/>
-              <a:t>5/30/14</a:t>
+              <a:t>6/5/14</a:t>
             </a:fld>
             <a:endParaRPr lang="en-US" dirty="0"/>
           </a:p>
@@ -7916,7 +8588,7 @@
           <a:p>
             <a:fld id="{D7C3A134-F1C3-464B-BF47-54DC2DE08F52}" type="datetimeFigureOut">
               <a:rPr lang="en-US" smtClean="0"/>
-              <a:t>5/30/14</a:t>
+              <a:t>6/5/14</a:t>
             </a:fld>
             <a:endParaRPr lang="en-US" dirty="0"/>
           </a:p>
@@ -8194,7 +8866,7 @@
           <a:p>
             <a:fld id="{D7C3A134-F1C3-464B-BF47-54DC2DE08F52}" type="datetimeFigureOut">
               <a:rPr lang="en-US" smtClean="0"/>
-              <a:t>5/30/14</a:t>
+              <a:t>6/5/14</a:t>
             </a:fld>
             <a:endParaRPr lang="en-US" dirty="0"/>
           </a:p>
@@ -8560,7 +9232,7 @@
           <a:p>
             <a:fld id="{D7C3A134-F1C3-464B-BF47-54DC2DE08F52}" type="datetimeFigureOut">
               <a:rPr lang="en-US" smtClean="0"/>
-              <a:t>5/30/14</a:t>
+              <a:t>6/5/14</a:t>
             </a:fld>
             <a:endParaRPr lang="en-US" dirty="0"/>
           </a:p>
@@ -8997,7 +9669,7 @@
           <a:p>
             <a:fld id="{D7C3A134-F1C3-464B-BF47-54DC2DE08F52}" type="datetimeFigureOut">
               <a:rPr lang="en-US" smtClean="0"/>
-              <a:t>5/30/14</a:t>
+              <a:t>6/5/14</a:t>
             </a:fld>
             <a:endParaRPr lang="en-US" dirty="0"/>
           </a:p>
@@ -18074,7 +18746,11 @@
             </a:br>
             <a:r>
               <a:rPr lang="en-US" dirty="0" smtClean="0"/>
-              <a:t>Directive Declaration</a:t>
+              <a:t>Directive </a:t>
+            </a:r>
+            <a:r>
+              <a:rPr lang="en-US" dirty="0" smtClean="0"/>
+              <a:t>Declaration</a:t>
             </a:r>
             <a:endParaRPr lang="en-US" dirty="0"/>
           </a:p>
@@ -18101,11 +18777,28 @@
               <a:buNone/>
             </a:pPr>
             <a:r>
+              <a:rPr lang="en-US" sz="1200" dirty="0" err="1">
+                <a:latin typeface="Courier New"/>
+                <a:cs typeface="Courier New"/>
+              </a:rPr>
+              <a:t>app.</a:t>
+            </a:r>
+            <a:r>
+              <a:rPr lang="en-US" sz="1200" b="1" dirty="0" err="1">
+                <a:solidFill>
+                  <a:srgbClr val="FF0000"/>
+                </a:solidFill>
+                <a:latin typeface="Courier New"/>
+                <a:cs typeface="Courier New"/>
+              </a:rPr>
+              <a:t>directive</a:t>
+            </a:r>
+            <a:r>
               <a:rPr lang="en-US" sz="1200" dirty="0">
                 <a:latin typeface="Courier New"/>
                 <a:cs typeface="Courier New"/>
               </a:rPr>
-              <a:t>app.</a:t>
+              <a:t>("</a:t>
             </a:r>
             <a:r>
               <a:rPr lang="en-US" sz="1200" b="1" dirty="0">
@@ -18115,14 +18808,38 @@
                 <a:latin typeface="Courier New"/>
                 <a:cs typeface="Courier New"/>
               </a:rPr>
-              <a:t>directive</a:t>
-            </a:r>
-            <a:r>
-              <a:rPr lang="en-US" sz="1200" dirty="0" smtClean="0">
-                <a:latin typeface="Courier New"/>
-                <a:cs typeface="Courier New"/>
-              </a:rPr>
-              <a:t>("</a:t>
+              <a:t>colorize</a:t>
+            </a:r>
+            <a:r>
+              <a:rPr lang="en-US" sz="1200" dirty="0">
+                <a:latin typeface="Courier New"/>
+                <a:cs typeface="Courier New"/>
+              </a:rPr>
+              <a:t>", function () {</a:t>
+            </a:r>
+          </a:p>
+          <a:p>
+            <a:pPr marL="118872" indent="0">
+              <a:buNone/>
+            </a:pPr>
+            <a:r>
+              <a:rPr lang="en-US" sz="1200" dirty="0">
+                <a:latin typeface="Courier New"/>
+                <a:cs typeface="Courier New"/>
+              </a:rPr>
+              <a:t>  return {</a:t>
+            </a:r>
+          </a:p>
+          <a:p>
+            <a:pPr marL="118872" indent="0">
+              <a:buNone/>
+            </a:pPr>
+            <a:r>
+              <a:rPr lang="en-US" sz="1200" dirty="0">
+                <a:latin typeface="Courier New"/>
+                <a:cs typeface="Courier New"/>
+              </a:rPr>
+              <a:t>    </a:t>
             </a:r>
             <a:r>
               <a:rPr lang="en-US" sz="1200" b="1" dirty="0" smtClean="0">
@@ -18132,7 +18849,14 @@
                 <a:latin typeface="Courier New"/>
                 <a:cs typeface="Courier New"/>
               </a:rPr>
-              <a:t>collapsible</a:t>
+              <a:t>restrict</a:t>
+            </a:r>
+            <a:r>
+              <a:rPr lang="en-US" sz="1200" dirty="0" smtClean="0">
+                <a:latin typeface="Courier New"/>
+                <a:cs typeface="Courier New"/>
+              </a:rPr>
+              <a:t>: </a:t>
             </a:r>
             <a:r>
               <a:rPr lang="en-US" sz="1200" dirty="0">
@@ -18146,59 +18870,7 @@
                 <a:latin typeface="Courier New"/>
                 <a:cs typeface="Courier New"/>
               </a:rPr>
-              <a:t>, </a:t>
-            </a:r>
-            <a:r>
-              <a:rPr lang="en-US" sz="1200" dirty="0">
-                <a:latin typeface="Courier New"/>
-                <a:cs typeface="Courier New"/>
-              </a:rPr>
-              <a:t>function () {</a:t>
-            </a:r>
-          </a:p>
-          <a:p>
-            <a:pPr marL="118872" indent="0">
-              <a:buNone/>
-            </a:pPr>
-            <a:r>
-              <a:rPr lang="en-US" sz="1200" dirty="0">
-                <a:latin typeface="Courier New"/>
-                <a:cs typeface="Courier New"/>
-              </a:rPr>
-              <a:t>    return {</a:t>
-            </a:r>
-          </a:p>
-          <a:p>
-            <a:pPr marL="118872" indent="0">
-              <a:buNone/>
-            </a:pPr>
-            <a:r>
-              <a:rPr lang="en-US" sz="1200" dirty="0">
-                <a:latin typeface="Courier New"/>
-                <a:cs typeface="Courier New"/>
-              </a:rPr>
-              <a:t>        restrict: "</a:t>
-            </a:r>
-            <a:r>
-              <a:rPr lang="en-US" sz="1200" dirty="0" smtClean="0">
-                <a:latin typeface="Courier New"/>
-                <a:cs typeface="Courier New"/>
-              </a:rPr>
-              <a:t>E</a:t>
-            </a:r>
-            <a:r>
-              <a:rPr lang="en-US" sz="1200" dirty="0">
-                <a:latin typeface="Courier New"/>
-                <a:cs typeface="Courier New"/>
-              </a:rPr>
-              <a:t>"</a:t>
-            </a:r>
-            <a:r>
-              <a:rPr lang="en-US" sz="1200" dirty="0" smtClean="0">
-                <a:latin typeface="Courier New"/>
-                <a:cs typeface="Courier New"/>
-              </a:rPr>
-              <a:t>,</a:t>
+              <a:t>AE”,</a:t>
             </a:r>
             <a:endParaRPr lang="en-US" sz="1200" dirty="0">
               <a:latin typeface="Courier New"/>
@@ -18210,381 +18882,213 @@
               <a:buNone/>
             </a:pPr>
             <a:r>
+              <a:rPr lang="en-US" sz="1200" dirty="0">
+                <a:latin typeface="Courier New"/>
+                <a:cs typeface="Courier New"/>
+              </a:rPr>
+              <a:t>    </a:t>
+            </a:r>
+            <a:r>
+              <a:rPr lang="en-US" sz="1200" b="1" dirty="0">
+                <a:solidFill>
+                  <a:srgbClr val="FF0000"/>
+                </a:solidFill>
+                <a:latin typeface="Courier New"/>
+                <a:cs typeface="Courier New"/>
+              </a:rPr>
+              <a:t>scope</a:t>
+            </a:r>
+            <a:r>
+              <a:rPr lang="en-US" sz="1200" dirty="0">
+                <a:latin typeface="Courier New"/>
+                <a:cs typeface="Courier New"/>
+              </a:rPr>
+              <a:t>: {</a:t>
+            </a:r>
+          </a:p>
+          <a:p>
+            <a:pPr marL="118872" indent="0">
+              <a:buNone/>
+            </a:pPr>
+            <a:r>
+              <a:rPr lang="en-US" sz="1200" dirty="0">
+                <a:latin typeface="Courier New"/>
+                <a:cs typeface="Courier New"/>
+              </a:rPr>
+              <a:t>      color: "</a:t>
+            </a:r>
+            <a:r>
               <a:rPr lang="en-US" sz="1200" dirty="0" smtClean="0">
                 <a:latin typeface="Courier New"/>
                 <a:cs typeface="Courier New"/>
               </a:rPr>
-              <a:t>        template</a:t>
+              <a:t>=</a:t>
             </a:r>
             <a:r>
               <a:rPr lang="en-US" sz="1200" dirty="0">
                 <a:latin typeface="Courier New"/>
                 <a:cs typeface="Courier New"/>
               </a:rPr>
-              <a:t>: "</a:t>
-            </a:r>
+              <a:t>"</a:t>
+            </a:r>
+            <a:endParaRPr lang="en-US" sz="1200" dirty="0" smtClean="0">
+              <a:latin typeface="Courier New"/>
+              <a:cs typeface="Courier New"/>
+            </a:endParaRPr>
+          </a:p>
+          <a:p>
+            <a:pPr marL="118872" indent="0">
+              <a:buNone/>
+            </a:pPr>
             <a:r>
               <a:rPr lang="en-US" sz="1200" dirty="0" smtClean="0">
                 <a:latin typeface="Courier New"/>
                 <a:cs typeface="Courier New"/>
               </a:rPr>
-              <a:t>&lt;</a:t>
+              <a:t>    </a:t>
             </a:r>
             <a:r>
               <a:rPr lang="en-US" sz="1200" dirty="0">
                 <a:latin typeface="Courier New"/>
                 <a:cs typeface="Courier New"/>
               </a:rPr>
-              <a:t>div data-ng-click</a:t>
+              <a:t>},</a:t>
+            </a:r>
+          </a:p>
+          <a:p>
+            <a:pPr marL="118872" indent="0">
+              <a:buNone/>
+            </a:pPr>
+            <a:r>
+              <a:rPr lang="en-US" sz="1200" dirty="0">
+                <a:latin typeface="Courier New"/>
+                <a:cs typeface="Courier New"/>
+              </a:rPr>
+              <a:t>    </a:t>
+            </a:r>
+            <a:r>
+              <a:rPr lang="en-US" sz="1200" b="1" dirty="0">
+                <a:solidFill>
+                  <a:srgbClr val="FF0000"/>
+                </a:solidFill>
+                <a:latin typeface="Courier New"/>
+                <a:cs typeface="Courier New"/>
+              </a:rPr>
+              <a:t>template</a:t>
+            </a:r>
+            <a:r>
+              <a:rPr lang="en-US" sz="1200" dirty="0">
+                <a:latin typeface="Courier New"/>
+                <a:cs typeface="Courier New"/>
+              </a:rPr>
+              <a:t>: "&lt;span&gt;" +</a:t>
+            </a:r>
+          </a:p>
+          <a:p>
+            <a:pPr marL="118872" indent="0">
+              <a:buNone/>
+            </a:pPr>
+            <a:r>
+              <a:rPr lang="en-US" sz="1200" dirty="0">
+                <a:latin typeface="Courier New"/>
+                <a:cs typeface="Courier New"/>
+              </a:rPr>
+              <a:t>                "&lt;span style='color: {{color}};' </a:t>
+            </a:r>
+            <a:r>
+              <a:rPr lang="en-US" sz="1200" b="1" dirty="0">
+                <a:solidFill>
+                  <a:srgbClr val="FF0000"/>
+                </a:solidFill>
+                <a:latin typeface="Courier New"/>
+                <a:cs typeface="Courier New"/>
+              </a:rPr>
+              <a:t>data-</a:t>
+            </a:r>
+            <a:r>
+              <a:rPr lang="en-US" sz="1200" b="1" dirty="0" err="1">
+                <a:solidFill>
+                  <a:srgbClr val="FF0000"/>
+                </a:solidFill>
+                <a:latin typeface="Courier New"/>
+                <a:cs typeface="Courier New"/>
+              </a:rPr>
+              <a:t>ng</a:t>
+            </a:r>
+            <a:r>
+              <a:rPr lang="en-US" sz="1200" b="1" dirty="0">
+                <a:solidFill>
+                  <a:srgbClr val="FF0000"/>
+                </a:solidFill>
+                <a:latin typeface="Courier New"/>
+                <a:cs typeface="Courier New"/>
+              </a:rPr>
+              <a:t>-</a:t>
+            </a:r>
+            <a:r>
+              <a:rPr lang="en-US" sz="1200" b="1" dirty="0" err="1">
+                <a:solidFill>
+                  <a:srgbClr val="FF0000"/>
+                </a:solidFill>
+                <a:latin typeface="Courier New"/>
+                <a:cs typeface="Courier New"/>
+              </a:rPr>
+              <a:t>transclude</a:t>
+            </a:r>
+            <a:r>
+              <a:rPr lang="en-US" sz="1200" dirty="0">
+                <a:latin typeface="Courier New"/>
+                <a:cs typeface="Courier New"/>
+              </a:rPr>
+              <a:t>&gt;&lt;/span&gt;" +</a:t>
+            </a:r>
+          </a:p>
+          <a:p>
+            <a:pPr marL="118872" indent="0">
+              <a:buNone/>
+            </a:pPr>
+            <a:r>
+              <a:rPr lang="en-US" sz="1200" dirty="0">
+                <a:latin typeface="Courier New"/>
+                <a:cs typeface="Courier New"/>
+              </a:rPr>
+              <a:t>              "&lt;/span&gt;",</a:t>
+            </a:r>
+          </a:p>
+          <a:p>
+            <a:pPr marL="118872" indent="0">
+              <a:buNone/>
+            </a:pPr>
+            <a:r>
+              <a:rPr lang="en-US" sz="1200" dirty="0">
+                <a:latin typeface="Courier New"/>
+                <a:cs typeface="Courier New"/>
+              </a:rPr>
+              <a:t>    </a:t>
+            </a:r>
+            <a:r>
+              <a:rPr lang="en-US" sz="1200" b="1" dirty="0" err="1">
+                <a:solidFill>
+                  <a:srgbClr val="FF0000"/>
+                </a:solidFill>
+                <a:latin typeface="Courier New"/>
+                <a:cs typeface="Courier New"/>
+              </a:rPr>
+              <a:t>transclude</a:t>
+            </a:r>
+            <a:r>
+              <a:rPr lang="en-US" sz="1200" dirty="0">
+                <a:latin typeface="Courier New"/>
+                <a:cs typeface="Courier New"/>
+              </a:rPr>
+              <a:t>: </a:t>
             </a:r>
             <a:r>
               <a:rPr lang="en-US" sz="1200" dirty="0" smtClean="0">
                 <a:latin typeface="Courier New"/>
                 <a:cs typeface="Courier New"/>
               </a:rPr>
-              <a:t>='toggleVisibility</a:t>
-            </a:r>
-            <a:r>
-              <a:rPr lang="en-US" sz="1200" dirty="0">
-                <a:latin typeface="Courier New"/>
-                <a:cs typeface="Courier New"/>
-              </a:rPr>
-              <a:t>(</a:t>
-            </a:r>
-            <a:r>
-              <a:rPr lang="en-US" sz="1200" dirty="0" smtClean="0">
-                <a:latin typeface="Courier New"/>
-                <a:cs typeface="Courier New"/>
-              </a:rPr>
-              <a:t>)'&gt;" </a:t>
-            </a:r>
-            <a:r>
-              <a:rPr lang="en-US" sz="1200" dirty="0">
-                <a:latin typeface="Courier New"/>
-                <a:cs typeface="Courier New"/>
-              </a:rPr>
-              <a:t>+</a:t>
-            </a:r>
-          </a:p>
-          <a:p>
-            <a:pPr marL="118872" indent="0">
-              <a:buNone/>
-            </a:pPr>
-            <a:r>
-              <a:rPr lang="en-US" sz="1200" dirty="0">
-                <a:latin typeface="Courier New"/>
-                <a:cs typeface="Courier New"/>
-              </a:rPr>
-              <a:t>                    "</a:t>
-            </a:r>
-            <a:r>
-              <a:rPr lang="en-US" sz="1200" dirty="0" smtClean="0">
-                <a:latin typeface="Courier New"/>
-                <a:cs typeface="Courier New"/>
-              </a:rPr>
-              <a:t>&lt;</a:t>
-            </a:r>
-            <a:r>
-              <a:rPr lang="en-US" sz="1200" dirty="0">
-                <a:latin typeface="Courier New"/>
-                <a:cs typeface="Courier New"/>
-              </a:rPr>
-              <a:t>span data-ng-show</a:t>
-            </a:r>
-            <a:r>
-              <a:rPr lang="en-US" sz="1200" dirty="0" smtClean="0">
-                <a:latin typeface="Courier New"/>
-                <a:cs typeface="Courier New"/>
-              </a:rPr>
-              <a:t>=</a:t>
-            </a:r>
-            <a:r>
-              <a:rPr lang="en-US" sz="1200" dirty="0">
-                <a:latin typeface="Courier New"/>
-                <a:cs typeface="Courier New"/>
-              </a:rPr>
-              <a:t>'</a:t>
-            </a:r>
-            <a:r>
-              <a:rPr lang="en-US" sz="1200" dirty="0" smtClean="0">
-                <a:latin typeface="Courier New"/>
-                <a:cs typeface="Courier New"/>
-              </a:rPr>
-              <a:t>visible</a:t>
-            </a:r>
-            <a:r>
-              <a:rPr lang="en-US" sz="1200" dirty="0">
-                <a:latin typeface="Courier New"/>
-                <a:cs typeface="Courier New"/>
-              </a:rPr>
-              <a:t>'</a:t>
-            </a:r>
-            <a:r>
-              <a:rPr lang="en-US" sz="1200" dirty="0" smtClean="0">
-                <a:latin typeface="Courier New"/>
-                <a:cs typeface="Courier New"/>
-              </a:rPr>
-              <a:t>&gt;</a:t>
-            </a:r>
-            <a:r>
-              <a:rPr lang="en-US" sz="1200" dirty="0">
-                <a:latin typeface="Courier New"/>
-                <a:cs typeface="Courier New"/>
-              </a:rPr>
-              <a:t>Hide&lt;/span</a:t>
-            </a:r>
-            <a:r>
-              <a:rPr lang="en-US" sz="1200" dirty="0" smtClean="0">
-                <a:latin typeface="Courier New"/>
-                <a:cs typeface="Courier New"/>
-              </a:rPr>
-              <a:t>&gt;</a:t>
-            </a:r>
-            <a:r>
-              <a:rPr lang="en-US" sz="1200" dirty="0">
-                <a:latin typeface="Courier New"/>
-                <a:cs typeface="Courier New"/>
-              </a:rPr>
-              <a:t>"</a:t>
-            </a:r>
-            <a:r>
-              <a:rPr lang="en-US" sz="1200" dirty="0" smtClean="0">
-                <a:latin typeface="Courier New"/>
-                <a:cs typeface="Courier New"/>
-              </a:rPr>
-              <a:t> </a:t>
-            </a:r>
-            <a:r>
-              <a:rPr lang="en-US" sz="1200" dirty="0">
-                <a:latin typeface="Courier New"/>
-                <a:cs typeface="Courier New"/>
-              </a:rPr>
-              <a:t>+</a:t>
-            </a:r>
-          </a:p>
-          <a:p>
-            <a:pPr marL="118872" indent="0">
-              <a:buNone/>
-            </a:pPr>
-            <a:r>
-              <a:rPr lang="en-US" sz="1200" dirty="0">
-                <a:latin typeface="Courier New"/>
-                <a:cs typeface="Courier New"/>
-              </a:rPr>
-              <a:t>                    "</a:t>
-            </a:r>
-            <a:r>
-              <a:rPr lang="en-US" sz="1200" dirty="0" smtClean="0">
-                <a:latin typeface="Courier New"/>
-                <a:cs typeface="Courier New"/>
-              </a:rPr>
-              <a:t>&lt;</a:t>
-            </a:r>
-            <a:r>
-              <a:rPr lang="en-US" sz="1200" dirty="0">
-                <a:latin typeface="Courier New"/>
-                <a:cs typeface="Courier New"/>
-              </a:rPr>
-              <a:t>span data-ng-hide</a:t>
-            </a:r>
-            <a:r>
-              <a:rPr lang="en-US" sz="1200" dirty="0" smtClean="0">
-                <a:latin typeface="Courier New"/>
-                <a:cs typeface="Courier New"/>
-              </a:rPr>
-              <a:t>=</a:t>
-            </a:r>
-            <a:r>
-              <a:rPr lang="en-US" sz="1200" dirty="0">
-                <a:latin typeface="Courier New"/>
-                <a:cs typeface="Courier New"/>
-              </a:rPr>
-              <a:t>'</a:t>
-            </a:r>
-            <a:r>
-              <a:rPr lang="en-US" sz="1200" dirty="0" smtClean="0">
-                <a:latin typeface="Courier New"/>
-                <a:cs typeface="Courier New"/>
-              </a:rPr>
-              <a:t>visible</a:t>
-            </a:r>
-            <a:r>
-              <a:rPr lang="en-US" sz="1200" dirty="0">
-                <a:latin typeface="Courier New"/>
-                <a:cs typeface="Courier New"/>
-              </a:rPr>
-              <a:t>'</a:t>
-            </a:r>
-            <a:r>
-              <a:rPr lang="en-US" sz="1200" dirty="0" smtClean="0">
-                <a:latin typeface="Courier New"/>
-                <a:cs typeface="Courier New"/>
-              </a:rPr>
-              <a:t>&gt;</a:t>
-            </a:r>
-            <a:r>
-              <a:rPr lang="en-US" sz="1200" dirty="0">
-                <a:latin typeface="Courier New"/>
-                <a:cs typeface="Courier New"/>
-              </a:rPr>
-              <a:t>Show&lt;/span&gt; {{label}</a:t>
-            </a:r>
-            <a:r>
-              <a:rPr lang="en-US" sz="1200" dirty="0" smtClean="0">
-                <a:latin typeface="Courier New"/>
-                <a:cs typeface="Courier New"/>
-              </a:rPr>
-              <a:t>}" </a:t>
-            </a:r>
-            <a:r>
-              <a:rPr lang="en-US" sz="1200" dirty="0">
-                <a:latin typeface="Courier New"/>
-                <a:cs typeface="Courier New"/>
-              </a:rPr>
-              <a:t>+</a:t>
-            </a:r>
-          </a:p>
-          <a:p>
-            <a:pPr marL="118872" indent="0">
-              <a:buNone/>
-            </a:pPr>
-            <a:r>
-              <a:rPr lang="en-US" sz="1200" dirty="0">
-                <a:latin typeface="Courier New"/>
-                <a:cs typeface="Courier New"/>
-              </a:rPr>
-              <a:t>                    "</a:t>
-            </a:r>
-            <a:r>
-              <a:rPr lang="en-US" sz="1200" dirty="0" smtClean="0">
-                <a:latin typeface="Courier New"/>
-                <a:cs typeface="Courier New"/>
-              </a:rPr>
-              <a:t>&lt;</a:t>
-            </a:r>
-            <a:r>
-              <a:rPr lang="en-US" sz="1200" dirty="0">
-                <a:latin typeface="Courier New"/>
-                <a:cs typeface="Courier New"/>
-              </a:rPr>
-              <a:t>div data-ng-show</a:t>
-            </a:r>
-            <a:r>
-              <a:rPr lang="en-US" sz="1200" dirty="0" smtClean="0">
-                <a:latin typeface="Courier New"/>
-                <a:cs typeface="Courier New"/>
-              </a:rPr>
-              <a:t>=</a:t>
-            </a:r>
-            <a:r>
-              <a:rPr lang="en-US" sz="1200" dirty="0">
-                <a:latin typeface="Courier New"/>
-                <a:cs typeface="Courier New"/>
-              </a:rPr>
-              <a:t>'</a:t>
-            </a:r>
-            <a:r>
-              <a:rPr lang="en-US" sz="1200" dirty="0" smtClean="0">
-                <a:latin typeface="Courier New"/>
-                <a:cs typeface="Courier New"/>
-              </a:rPr>
-              <a:t>visible</a:t>
-            </a:r>
-            <a:r>
-              <a:rPr lang="en-US" sz="1200" dirty="0">
-                <a:latin typeface="Courier New"/>
-                <a:cs typeface="Courier New"/>
-              </a:rPr>
-              <a:t>'</a:t>
-            </a:r>
-            <a:r>
-              <a:rPr lang="en-US" sz="1200" dirty="0" smtClean="0">
-                <a:latin typeface="Courier New"/>
-                <a:cs typeface="Courier New"/>
-              </a:rPr>
-              <a:t> </a:t>
-            </a:r>
-            <a:r>
-              <a:rPr lang="en-US" sz="1200" dirty="0">
-                <a:latin typeface="Courier New"/>
-                <a:cs typeface="Courier New"/>
-              </a:rPr>
-              <a:t>data-ng-transclude&gt;{{data}}&lt;/div</a:t>
-            </a:r>
-            <a:r>
-              <a:rPr lang="en-US" sz="1200" dirty="0" smtClean="0">
-                <a:latin typeface="Courier New"/>
-                <a:cs typeface="Courier New"/>
-              </a:rPr>
-              <a:t>&gt;</a:t>
-            </a:r>
-            <a:r>
-              <a:rPr lang="en-US" sz="1200" dirty="0">
-                <a:latin typeface="Courier New"/>
-                <a:cs typeface="Courier New"/>
-              </a:rPr>
-              <a:t>"</a:t>
-            </a:r>
-            <a:r>
-              <a:rPr lang="en-US" sz="1200" dirty="0" smtClean="0">
-                <a:latin typeface="Courier New"/>
-                <a:cs typeface="Courier New"/>
-              </a:rPr>
-              <a:t> </a:t>
-            </a:r>
-            <a:r>
-              <a:rPr lang="en-US" sz="1200" dirty="0">
-                <a:latin typeface="Courier New"/>
-                <a:cs typeface="Courier New"/>
-              </a:rPr>
-              <a:t>+</a:t>
-            </a:r>
-          </a:p>
-          <a:p>
-            <a:pPr marL="118872" indent="0">
-              <a:buNone/>
-            </a:pPr>
-            <a:r>
-              <a:rPr lang="en-US" sz="1200" dirty="0">
-                <a:latin typeface="Courier New"/>
-                <a:cs typeface="Courier New"/>
-              </a:rPr>
-              <a:t>                  "</a:t>
-            </a:r>
-            <a:r>
-              <a:rPr lang="en-US" sz="1200" dirty="0" smtClean="0">
-                <a:latin typeface="Courier New"/>
-                <a:cs typeface="Courier New"/>
-              </a:rPr>
-              <a:t>&lt;</a:t>
-            </a:r>
-            <a:r>
-              <a:rPr lang="en-US" sz="1200" dirty="0">
-                <a:latin typeface="Courier New"/>
-                <a:cs typeface="Courier New"/>
-              </a:rPr>
-              <a:t>/div</a:t>
-            </a:r>
-            <a:r>
-              <a:rPr lang="en-US" sz="1200" dirty="0" smtClean="0">
-                <a:latin typeface="Courier New"/>
-                <a:cs typeface="Courier New"/>
-              </a:rPr>
-              <a:t>&gt;</a:t>
-            </a:r>
-            <a:r>
-              <a:rPr lang="en-US" sz="1200" dirty="0">
-                <a:latin typeface="Courier New"/>
-                <a:cs typeface="Courier New"/>
-              </a:rPr>
-              <a:t>"</a:t>
-            </a:r>
-            <a:r>
-              <a:rPr lang="en-US" sz="1200" dirty="0" smtClean="0">
-                <a:latin typeface="Courier New"/>
-                <a:cs typeface="Courier New"/>
-              </a:rPr>
-              <a:t>,</a:t>
+              <a:t>true</a:t>
             </a:r>
             <a:endParaRPr lang="en-US" sz="1200" dirty="0">
               <a:latin typeface="Courier New"/>
@@ -18596,221 +19100,11 @@
               <a:buNone/>
             </a:pPr>
             <a:r>
-              <a:rPr lang="en-US" sz="1200" dirty="0" smtClean="0">
-                <a:latin typeface="Courier New"/>
-                <a:cs typeface="Courier New"/>
-              </a:rPr>
-              <a:t>        replace</a:t>
-            </a:r>
-            <a:r>
               <a:rPr lang="en-US" sz="1200" dirty="0">
                 <a:latin typeface="Courier New"/>
                 <a:cs typeface="Courier New"/>
               </a:rPr>
-              <a:t>: true</a:t>
-            </a:r>
-            <a:r>
-              <a:rPr lang="en-US" sz="1200" dirty="0" smtClean="0">
-                <a:latin typeface="Courier New"/>
-                <a:cs typeface="Courier New"/>
-              </a:rPr>
-              <a:t>,</a:t>
-            </a:r>
-          </a:p>
-          <a:p>
-            <a:pPr marL="118872" indent="0">
-              <a:buNone/>
-            </a:pPr>
-            <a:r>
-              <a:rPr lang="en-US" sz="1200" dirty="0" smtClean="0">
-                <a:latin typeface="Courier New"/>
-                <a:cs typeface="Courier New"/>
-              </a:rPr>
-              <a:t>        scope</a:t>
-            </a:r>
-            <a:r>
-              <a:rPr lang="en-US" sz="1200" dirty="0">
-                <a:latin typeface="Courier New"/>
-                <a:cs typeface="Courier New"/>
-              </a:rPr>
-              <a:t>: {</a:t>
-            </a:r>
-          </a:p>
-          <a:p>
-            <a:pPr marL="118872" indent="0">
-              <a:buNone/>
-            </a:pPr>
-            <a:r>
-              <a:rPr lang="en-US" sz="1200" dirty="0">
-                <a:latin typeface="Courier New"/>
-                <a:cs typeface="Courier New"/>
-              </a:rPr>
-              <a:t>            data: "@",</a:t>
-            </a:r>
-          </a:p>
-          <a:p>
-            <a:pPr marL="118872" indent="0">
-              <a:buNone/>
-            </a:pPr>
-            <a:r>
-              <a:rPr lang="en-US" sz="1200" dirty="0">
-                <a:latin typeface="Courier New"/>
-                <a:cs typeface="Courier New"/>
-              </a:rPr>
-              <a:t>            label: "@"</a:t>
-            </a:r>
-          </a:p>
-          <a:p>
-            <a:pPr marL="118872" indent="0">
-              <a:buNone/>
-            </a:pPr>
-            <a:r>
-              <a:rPr lang="en-US" sz="1200" dirty="0">
-                <a:latin typeface="Courier New"/>
-                <a:cs typeface="Courier New"/>
-              </a:rPr>
-              <a:t>        </a:t>
-            </a:r>
-            <a:r>
-              <a:rPr lang="en-US" sz="1200" dirty="0" smtClean="0">
-                <a:latin typeface="Courier New"/>
-                <a:cs typeface="Courier New"/>
-              </a:rPr>
-              <a:t>},</a:t>
-            </a:r>
-          </a:p>
-          <a:p>
-            <a:pPr marL="118872" indent="0">
-              <a:buNone/>
-            </a:pPr>
-            <a:r>
-              <a:rPr lang="en-US" sz="1200" dirty="0" smtClean="0">
-                <a:latin typeface="Courier New"/>
-                <a:cs typeface="Courier New"/>
-              </a:rPr>
-              <a:t>        </a:t>
-            </a:r>
-            <a:r>
-              <a:rPr lang="en-US" sz="1200" dirty="0">
-                <a:latin typeface="Courier New"/>
-                <a:cs typeface="Courier New"/>
-              </a:rPr>
-              <a:t>controller: function ($scope) {</a:t>
-            </a:r>
-          </a:p>
-          <a:p>
-            <a:pPr marL="118872" indent="0">
-              <a:buNone/>
-            </a:pPr>
-            <a:r>
-              <a:rPr lang="en-US" sz="1200" dirty="0">
-                <a:latin typeface="Courier New"/>
-                <a:cs typeface="Courier New"/>
-              </a:rPr>
-              <a:t>            $scope.visible = true;</a:t>
-            </a:r>
-          </a:p>
-          <a:p>
-            <a:pPr marL="118872" indent="0">
-              <a:buNone/>
-            </a:pPr>
-            <a:endParaRPr lang="en-US" sz="1200" dirty="0">
-              <a:latin typeface="Courier New"/>
-              <a:cs typeface="Courier New"/>
-            </a:endParaRPr>
-          </a:p>
-          <a:p>
-            <a:pPr marL="118872" indent="0">
-              <a:buNone/>
-            </a:pPr>
-            <a:r>
-              <a:rPr lang="en-US" sz="1200" dirty="0">
-                <a:latin typeface="Courier New"/>
-                <a:cs typeface="Courier New"/>
-              </a:rPr>
-              <a:t>            $scope.toggleVisibility = function () {</a:t>
-            </a:r>
-          </a:p>
-          <a:p>
-            <a:pPr marL="118872" indent="0">
-              <a:buNone/>
-            </a:pPr>
-            <a:r>
-              <a:rPr lang="en-US" sz="1200" dirty="0">
-                <a:latin typeface="Courier New"/>
-                <a:cs typeface="Courier New"/>
-              </a:rPr>
-              <a:t>                $scope.visible = !$scope.visible;</a:t>
-            </a:r>
-          </a:p>
-          <a:p>
-            <a:pPr marL="118872" indent="0">
-              <a:buNone/>
-            </a:pPr>
-            <a:r>
-              <a:rPr lang="en-US" sz="1200" dirty="0">
-                <a:latin typeface="Courier New"/>
-                <a:cs typeface="Courier New"/>
-              </a:rPr>
-              <a:t>            };</a:t>
-            </a:r>
-          </a:p>
-          <a:p>
-            <a:pPr marL="118872" indent="0">
-              <a:buNone/>
-            </a:pPr>
-            <a:r>
-              <a:rPr lang="en-US" sz="1200" dirty="0" smtClean="0">
-                <a:latin typeface="Courier New"/>
-                <a:cs typeface="Courier New"/>
-              </a:rPr>
-              <a:t>        },</a:t>
-            </a:r>
-            <a:endParaRPr lang="en-US" sz="1200" dirty="0">
-              <a:latin typeface="Courier New"/>
-              <a:cs typeface="Courier New"/>
-            </a:endParaRPr>
-          </a:p>
-          <a:p>
-            <a:pPr marL="118872" indent="0">
-              <a:buNone/>
-            </a:pPr>
-            <a:r>
-              <a:rPr lang="en-US" sz="1200" dirty="0">
-                <a:latin typeface="Courier New"/>
-                <a:cs typeface="Courier New"/>
-              </a:rPr>
-              <a:t>        transclude: </a:t>
-            </a:r>
-            <a:r>
-              <a:rPr lang="en-US" sz="1200" dirty="0" smtClean="0">
-                <a:latin typeface="Courier New"/>
-                <a:cs typeface="Courier New"/>
-              </a:rPr>
-              <a:t>true</a:t>
-            </a:r>
-            <a:endParaRPr lang="en-US" sz="1200" dirty="0">
-              <a:latin typeface="Courier New"/>
-              <a:cs typeface="Courier New"/>
-            </a:endParaRPr>
-          </a:p>
-          <a:p>
-            <a:pPr marL="118872" indent="0">
-              <a:buNone/>
-            </a:pPr>
-            <a:r>
-              <a:rPr lang="en-US" sz="1200" dirty="0" smtClean="0">
-                <a:latin typeface="Courier New"/>
-                <a:cs typeface="Courier New"/>
-              </a:rPr>
-              <a:t>    }</a:t>
-            </a:r>
-            <a:r>
-              <a:rPr lang="en-US" sz="1200" dirty="0">
-                <a:latin typeface="Courier New"/>
-                <a:cs typeface="Courier New"/>
-              </a:rPr>
-              <a:t>;</a:t>
+              <a:t>  };</a:t>
             </a:r>
           </a:p>
           <a:p>
@@ -18894,7 +19188,11 @@
             </a:br>
             <a:r>
               <a:rPr lang="en-US" dirty="0" smtClean="0"/>
-              <a:t>Directive Usage</a:t>
+              <a:t>Directive </a:t>
+            </a:r>
+            <a:r>
+              <a:rPr lang="en-US" dirty="0" smtClean="0"/>
+              <a:t>Usage</a:t>
             </a:r>
             <a:endParaRPr lang="en-US" dirty="0"/>
           </a:p>
@@ -18925,7 +19223,183 @@
                 <a:latin typeface="Courier New"/>
                 <a:cs typeface="Courier New"/>
               </a:rPr>
+              <a:t>&lt;h2&gt;Students&lt;/h2&gt;</a:t>
+            </a:r>
+          </a:p>
+          <a:p>
+            <a:pPr marL="118872" indent="0">
+              <a:buNone/>
+            </a:pPr>
+            <a:endParaRPr lang="en-US" sz="1200" dirty="0">
+              <a:latin typeface="Courier New"/>
+              <a:cs typeface="Courier New"/>
+            </a:endParaRPr>
+          </a:p>
+          <a:p>
+            <a:pPr marL="118872" indent="0">
+              <a:buNone/>
+            </a:pPr>
+            <a:r>
+              <a:rPr lang="en-US" sz="1200" dirty="0">
+                <a:latin typeface="Courier New"/>
+                <a:cs typeface="Courier New"/>
+              </a:rPr>
+              <a:t>Filter: &lt;input type="text" data-</a:t>
+            </a:r>
+            <a:r>
+              <a:rPr lang="en-US" sz="1200" dirty="0" err="1">
+                <a:latin typeface="Courier New"/>
+                <a:cs typeface="Courier New"/>
+              </a:rPr>
+              <a:t>ng</a:t>
+            </a:r>
+            <a:r>
+              <a:rPr lang="en-US" sz="1200" dirty="0">
+                <a:latin typeface="Courier New"/>
+                <a:cs typeface="Courier New"/>
+              </a:rPr>
+              <a:t>-model="</a:t>
+            </a:r>
+            <a:r>
+              <a:rPr lang="en-US" sz="1200" dirty="0" err="1">
+                <a:latin typeface="Courier New"/>
+                <a:cs typeface="Courier New"/>
+              </a:rPr>
+              <a:t>search.name</a:t>
+            </a:r>
+            <a:r>
+              <a:rPr lang="en-US" sz="1200" dirty="0">
+                <a:latin typeface="Courier New"/>
+                <a:cs typeface="Courier New"/>
+              </a:rPr>
+              <a:t>"&gt;&lt;</a:t>
+            </a:r>
+            <a:r>
+              <a:rPr lang="en-US" sz="1200" dirty="0" err="1">
+                <a:latin typeface="Courier New"/>
+                <a:cs typeface="Courier New"/>
+              </a:rPr>
+              <a:t>br</a:t>
+            </a:r>
+            <a:r>
+              <a:rPr lang="en-US" sz="1200" dirty="0">
+                <a:latin typeface="Courier New"/>
+                <a:cs typeface="Courier New"/>
+              </a:rPr>
+              <a:t>/&gt;</a:t>
+            </a:r>
+          </a:p>
+          <a:p>
+            <a:pPr marL="118872" indent="0">
+              <a:buNone/>
+            </a:pPr>
+            <a:endParaRPr lang="en-US" sz="1200" dirty="0">
+              <a:latin typeface="Courier New"/>
+              <a:cs typeface="Courier New"/>
+            </a:endParaRPr>
+          </a:p>
+          <a:p>
+            <a:pPr marL="118872" indent="0">
+              <a:buNone/>
+            </a:pPr>
+            <a:r>
+              <a:rPr lang="en-US" sz="1200" dirty="0">
+                <a:latin typeface="Courier New"/>
+                <a:cs typeface="Courier New"/>
+              </a:rPr>
+              <a:t>Color: &lt;input type="text" data-</a:t>
+            </a:r>
+            <a:r>
+              <a:rPr lang="en-US" sz="1200" dirty="0" err="1">
+                <a:latin typeface="Courier New"/>
+                <a:cs typeface="Courier New"/>
+              </a:rPr>
+              <a:t>ng</a:t>
+            </a:r>
+            <a:r>
+              <a:rPr lang="en-US" sz="1200" dirty="0">
+                <a:latin typeface="Courier New"/>
+                <a:cs typeface="Courier New"/>
+              </a:rPr>
+              <a:t>-model="</a:t>
+            </a:r>
+            <a:r>
+              <a:rPr lang="en-US" sz="1200" b="1" dirty="0" err="1">
+                <a:solidFill>
+                  <a:srgbClr val="FF0000"/>
+                </a:solidFill>
+                <a:latin typeface="Courier New"/>
+                <a:cs typeface="Courier New"/>
+              </a:rPr>
+              <a:t>chosenColor</a:t>
+            </a:r>
+            <a:r>
+              <a:rPr lang="en-US" sz="1200" dirty="0">
+                <a:latin typeface="Courier New"/>
+                <a:cs typeface="Courier New"/>
+              </a:rPr>
+              <a:t>"&gt;&lt;</a:t>
+            </a:r>
+            <a:r>
+              <a:rPr lang="en-US" sz="1200" dirty="0" err="1">
+                <a:latin typeface="Courier New"/>
+                <a:cs typeface="Courier New"/>
+              </a:rPr>
+              <a:t>br</a:t>
+            </a:r>
+            <a:r>
+              <a:rPr lang="en-US" sz="1200" dirty="0">
+                <a:latin typeface="Courier New"/>
+                <a:cs typeface="Courier New"/>
+              </a:rPr>
+              <a:t>/&gt;</a:t>
+            </a:r>
+          </a:p>
+          <a:p>
+            <a:pPr marL="118872" indent="0">
+              <a:buNone/>
+            </a:pPr>
+            <a:endParaRPr lang="en-US" sz="1200" dirty="0">
+              <a:latin typeface="Courier New"/>
+              <a:cs typeface="Courier New"/>
+            </a:endParaRPr>
+          </a:p>
+          <a:p>
+            <a:pPr marL="118872" indent="0">
+              <a:buNone/>
+            </a:pPr>
+            <a:r>
+              <a:rPr lang="en-US" sz="1200" dirty="0">
+                <a:latin typeface="Courier New"/>
+                <a:cs typeface="Courier New"/>
+              </a:rPr>
               <a:t>&lt;</a:t>
+            </a:r>
+            <a:r>
+              <a:rPr lang="en-US" sz="1200" dirty="0" err="1">
+                <a:latin typeface="Courier New"/>
+                <a:cs typeface="Courier New"/>
+              </a:rPr>
+              <a:t>ul</a:t>
+            </a:r>
+            <a:r>
+              <a:rPr lang="en-US" sz="1200" dirty="0">
+                <a:latin typeface="Courier New"/>
+                <a:cs typeface="Courier New"/>
+              </a:rPr>
+              <a:t>&gt;</a:t>
+            </a:r>
+          </a:p>
+          <a:p>
+            <a:pPr marL="118872" indent="0">
+              <a:buNone/>
+            </a:pPr>
+            <a:r>
+              <a:rPr lang="en-US" sz="1200" dirty="0">
+                <a:latin typeface="Courier New"/>
+                <a:cs typeface="Courier New"/>
+              </a:rPr>
+              <a:t>  &lt;li </a:t>
             </a:r>
             <a:r>
               <a:rPr lang="en-US" sz="1200" b="1" dirty="0">
@@ -18935,7 +19409,7 @@
                 <a:latin typeface="Courier New"/>
                 <a:cs typeface="Courier New"/>
               </a:rPr>
-              <a:t>collapsible</a:t>
+              <a:t>colorize</a:t>
             </a:r>
             <a:r>
               <a:rPr lang="en-US" sz="1200" dirty="0">
@@ -18955,85 +19429,260 @@
                 <a:latin typeface="Courier New"/>
                 <a:cs typeface="Courier New"/>
               </a:rPr>
-              <a:t>label</a:t>
+              <a:t>color</a:t>
             </a:r>
             <a:r>
               <a:rPr lang="en-US" sz="1200" dirty="0">
                 <a:latin typeface="Courier New"/>
                 <a:cs typeface="Courier New"/>
               </a:rPr>
-              <a:t>="filter"&gt;</a:t>
-            </a:r>
-          </a:p>
-          <a:p>
-            <a:pPr marL="118872" indent="0">
-              <a:buNone/>
-            </a:pPr>
+              <a:t>="</a:t>
+            </a:r>
+            <a:r>
+              <a:rPr lang="en-US" sz="1200" b="1" dirty="0" err="1">
+                <a:solidFill>
+                  <a:srgbClr val="FF0000"/>
+                </a:solidFill>
+                <a:latin typeface="Courier New"/>
+                <a:cs typeface="Courier New"/>
+              </a:rPr>
+              <a:t>chosenColor</a:t>
+            </a:r>
             <a:r>
               <a:rPr lang="en-US" sz="1200" dirty="0">
                 <a:latin typeface="Courier New"/>
                 <a:cs typeface="Courier New"/>
               </a:rPr>
-              <a:t>  Filter: &lt;input type</a:t>
+              <a:t>" data-</a:t>
+            </a:r>
+            <a:r>
+              <a:rPr lang="en-US" sz="1200" dirty="0" err="1">
+                <a:latin typeface="Courier New"/>
+                <a:cs typeface="Courier New"/>
+              </a:rPr>
+              <a:t>ng</a:t>
+            </a:r>
+            <a:r>
+              <a:rPr lang="en-US" sz="1200" dirty="0">
+                <a:latin typeface="Courier New"/>
+                <a:cs typeface="Courier New"/>
+              </a:rPr>
+              <a:t>-click="</a:t>
+            </a:r>
+            <a:r>
+              <a:rPr lang="en-US" sz="1200" dirty="0" err="1">
+                <a:latin typeface="Courier New"/>
+                <a:cs typeface="Courier New"/>
+              </a:rPr>
+              <a:t>displayStudentInfo</a:t>
+            </a:r>
+            <a:r>
+              <a:rPr lang="en-US" sz="1200" dirty="0">
+                <a:latin typeface="Courier New"/>
+                <a:cs typeface="Courier New"/>
+              </a:rPr>
+              <a:t>(student</a:t>
             </a:r>
             <a:r>
               <a:rPr lang="en-US" sz="1200" dirty="0" smtClean="0">
                 <a:latin typeface="Courier New"/>
                 <a:cs typeface="Courier New"/>
               </a:rPr>
-              <a:t>="text</a:t>
-            </a:r>
+              <a:t>)”</a:t>
+            </a:r>
+          </a:p>
+          <a:p>
+            <a:pPr marL="118872" indent="0">
+              <a:buNone/>
+            </a:pPr>
             <a:r>
               <a:rPr lang="en-US" sz="1200" dirty="0">
                 <a:latin typeface="Courier New"/>
                 <a:cs typeface="Courier New"/>
               </a:rPr>
-              <a:t>"</a:t>
+              <a:t> </a:t>
             </a:r>
             <a:r>
               <a:rPr lang="en-US" sz="1200" dirty="0" smtClean="0">
                 <a:latin typeface="Courier New"/>
                 <a:cs typeface="Courier New"/>
               </a:rPr>
-              <a:t> </a:t>
+              <a:t>     data</a:t>
             </a:r>
             <a:r>
               <a:rPr lang="en-US" sz="1200" dirty="0">
                 <a:latin typeface="Courier New"/>
                 <a:cs typeface="Courier New"/>
               </a:rPr>
-              <a:t>data-ng-model</a:t>
-            </a:r>
-            <a:r>
-              <a:rPr lang="en-US" sz="1200" dirty="0" smtClean="0">
-                <a:latin typeface="Courier New"/>
-                <a:cs typeface="Courier New"/>
-              </a:rPr>
-              <a:t>=</a:t>
+              <a:t>-</a:t>
+            </a:r>
+            <a:r>
+              <a:rPr lang="en-US" sz="1200" dirty="0" err="1">
+                <a:latin typeface="Courier New"/>
+                <a:cs typeface="Courier New"/>
+              </a:rPr>
+              <a:t>ng</a:t>
             </a:r>
             <a:r>
               <a:rPr lang="en-US" sz="1200" dirty="0">
                 <a:latin typeface="Courier New"/>
                 <a:cs typeface="Courier New"/>
               </a:rPr>
-              <a:t>"</a:t>
-            </a:r>
-            <a:r>
-              <a:rPr lang="en-US" sz="1200" dirty="0" smtClean="0">
-                <a:latin typeface="Courier New"/>
-                <a:cs typeface="Courier New"/>
-              </a:rPr>
-              <a:t>search.name</a:t>
+              <a:t>-repeat="student in students | </a:t>
+            </a:r>
+            <a:r>
+              <a:rPr lang="en-US" sz="1200" dirty="0" err="1">
+                <a:latin typeface="Courier New"/>
+                <a:cs typeface="Courier New"/>
+              </a:rPr>
+              <a:t>filter:search</a:t>
             </a:r>
             <a:r>
               <a:rPr lang="en-US" sz="1200" dirty="0">
                 <a:latin typeface="Courier New"/>
                 <a:cs typeface="Courier New"/>
               </a:rPr>
-              <a:t>"</a:t>
-            </a:r>
-            <a:r>
-              <a:rPr lang="en-US" sz="1200" dirty="0" smtClean="0">
+              <a:t> | </a:t>
+            </a:r>
+            <a:r>
+              <a:rPr lang="en-US" sz="1200" dirty="0" err="1">
+                <a:latin typeface="Courier New"/>
+                <a:cs typeface="Courier New"/>
+              </a:rPr>
+              <a:t>orderBy</a:t>
+            </a:r>
+            <a:r>
+              <a:rPr lang="en-US" sz="1200" dirty="0">
+                <a:latin typeface="Courier New"/>
+                <a:cs typeface="Courier New"/>
+              </a:rPr>
+              <a:t>:'</a:t>
+            </a:r>
+            <a:r>
+              <a:rPr lang="en-US" sz="1200" dirty="0" err="1">
+                <a:latin typeface="Courier New"/>
+                <a:cs typeface="Courier New"/>
+              </a:rPr>
+              <a:t>grade':true</a:t>
+            </a:r>
+            <a:r>
+              <a:rPr lang="en-US" sz="1200" dirty="0">
+                <a:latin typeface="Courier New"/>
+                <a:cs typeface="Courier New"/>
+              </a:rPr>
+              <a:t>"&gt;</a:t>
+            </a:r>
+          </a:p>
+          <a:p>
+            <a:pPr marL="118872" indent="0">
+              <a:buNone/>
+            </a:pPr>
+            <a:r>
+              <a:rPr lang="en-US" sz="1200" dirty="0">
+                <a:latin typeface="Courier New"/>
+                <a:cs typeface="Courier New"/>
+              </a:rPr>
+              <a:t>    {{</a:t>
+            </a:r>
+            <a:r>
+              <a:rPr lang="en-US" sz="1200" dirty="0" err="1">
+                <a:latin typeface="Courier New"/>
+                <a:cs typeface="Courier New"/>
+              </a:rPr>
+              <a:t>student.name</a:t>
+            </a:r>
+            <a:r>
+              <a:rPr lang="en-US" sz="1200" dirty="0">
+                <a:latin typeface="Courier New"/>
+                <a:cs typeface="Courier New"/>
+              </a:rPr>
+              <a:t>}} is in classroom</a:t>
+            </a:r>
+          </a:p>
+          <a:p>
+            <a:pPr marL="118872" indent="0">
+              <a:buNone/>
+            </a:pPr>
+            <a:r>
+              <a:rPr lang="en-US" sz="1200" dirty="0">
+                <a:latin typeface="Courier New"/>
+                <a:cs typeface="Courier New"/>
+              </a:rPr>
+              <a:t>    {{</a:t>
+            </a:r>
+            <a:r>
+              <a:rPr lang="en-US" sz="1200" dirty="0" err="1">
+                <a:latin typeface="Courier New"/>
+                <a:cs typeface="Courier New"/>
+              </a:rPr>
+              <a:t>student.classroom</a:t>
+            </a:r>
+            <a:r>
+              <a:rPr lang="en-US" sz="1200" dirty="0">
+                <a:latin typeface="Courier New"/>
+                <a:cs typeface="Courier New"/>
+              </a:rPr>
+              <a:t>}}, and earned a grade of</a:t>
+            </a:r>
+          </a:p>
+          <a:p>
+            <a:pPr marL="118872" indent="0">
+              <a:buNone/>
+            </a:pPr>
+            <a:r>
+              <a:rPr lang="en-US" sz="1200" dirty="0">
+                <a:latin typeface="Courier New"/>
+                <a:cs typeface="Courier New"/>
+              </a:rPr>
+              <a:t>    {{</a:t>
+            </a:r>
+            <a:r>
+              <a:rPr lang="en-US" sz="1200" dirty="0" err="1">
+                <a:latin typeface="Courier New"/>
+                <a:cs typeface="Courier New"/>
+              </a:rPr>
+              <a:t>student.grade</a:t>
+            </a:r>
+            <a:r>
+              <a:rPr lang="en-US" sz="1200" dirty="0">
+                <a:latin typeface="Courier New"/>
+                <a:cs typeface="Courier New"/>
+              </a:rPr>
+              <a:t>}}.</a:t>
+            </a:r>
+          </a:p>
+          <a:p>
+            <a:pPr marL="118872" indent="0">
+              <a:buNone/>
+            </a:pPr>
+            <a:r>
+              <a:rPr lang="en-US" sz="1200" dirty="0">
+                <a:latin typeface="Courier New"/>
+                <a:cs typeface="Courier New"/>
+              </a:rPr>
+              <a:t>  &lt;/li&gt;</a:t>
+            </a:r>
+          </a:p>
+          <a:p>
+            <a:pPr marL="118872" indent="0">
+              <a:buNone/>
+            </a:pPr>
+            <a:r>
+              <a:rPr lang="en-US" sz="1200" dirty="0">
+                <a:latin typeface="Courier New"/>
+                <a:cs typeface="Courier New"/>
+              </a:rPr>
+              <a:t>&lt;/</a:t>
+            </a:r>
+            <a:r>
+              <a:rPr lang="en-US" sz="1200" dirty="0" err="1">
+                <a:latin typeface="Courier New"/>
+                <a:cs typeface="Courier New"/>
+              </a:rPr>
+              <a:t>ul</a:t>
+            </a:r>
+            <a:r>
+              <a:rPr lang="en-US" sz="1200" dirty="0">
                 <a:latin typeface="Courier New"/>
                 <a:cs typeface="Courier New"/>
               </a:rPr>
@@ -19043,42 +19692,6 @@
               <a:latin typeface="Courier New"/>
               <a:cs typeface="Courier New"/>
             </a:endParaRPr>
-          </a:p>
-          <a:p>
-            <a:pPr marL="118872" indent="0">
-              <a:buNone/>
-            </a:pPr>
-            <a:r>
-              <a:rPr lang="en-US" sz="1200" dirty="0">
-                <a:latin typeface="Courier New"/>
-                <a:cs typeface="Courier New"/>
-              </a:rPr>
-              <a:t>&lt;</a:t>
-            </a:r>
-            <a:r>
-              <a:rPr lang="en-US" sz="1200" dirty="0" smtClean="0">
-                <a:latin typeface="Courier New"/>
-                <a:cs typeface="Courier New"/>
-              </a:rPr>
-              <a:t>/</a:t>
-            </a:r>
-            <a:r>
-              <a:rPr lang="en-US" sz="1200" b="1" dirty="0" smtClean="0">
-                <a:solidFill>
-                  <a:srgbClr val="FF0000"/>
-                </a:solidFill>
-                <a:latin typeface="Courier New"/>
-                <a:cs typeface="Courier New"/>
-              </a:rPr>
-              <a:t>collapsible</a:t>
-            </a:r>
-            <a:r>
-              <a:rPr lang="en-US" sz="1200" dirty="0" smtClean="0">
-                <a:latin typeface="Courier New"/>
-                <a:cs typeface="Courier New"/>
-              </a:rPr>
-              <a:t>&gt;</a:t>
-            </a:r>
           </a:p>
         </p:txBody>
       </p:sp>
@@ -19145,7 +19758,11 @@
             </a:br>
             <a:r>
               <a:rPr lang="en-US" dirty="0" smtClean="0"/>
-              <a:t>Custom Directives</a:t>
+              <a:t>Advanced Directive </a:t>
+            </a:r>
+            <a:r>
+              <a:rPr lang="en-US" dirty="0" smtClean="0"/>
+              <a:t>Declaration</a:t>
             </a:r>
             <a:endParaRPr lang="en-US" dirty="0"/>
           </a:p>
@@ -19164,74 +19781,880 @@
         <p:spPr/>
         <p:txBody>
           <a:bodyPr>
-            <a:normAutofit/>
+            <a:normAutofit fontScale="92500" lnSpcReduction="10000"/>
           </a:bodyPr>
           <a:lstStyle/>
           <a:p>
             <a:pPr marL="118872" indent="0">
               <a:buNone/>
             </a:pPr>
-            <a:endParaRPr lang="en-US" sz="4800" dirty="0" smtClean="0"/>
-          </a:p>
-          <a:p>
-            <a:pPr marL="118872" indent="0">
-              <a:buNone/>
-            </a:pPr>
-            <a:r>
-              <a:rPr lang="en-US" sz="4000" b="1" dirty="0" smtClean="0"/>
-              <a:t>E:</a:t>
-            </a:r>
-            <a:r>
-              <a:rPr lang="en-US" sz="4000" dirty="0" smtClean="0"/>
-              <a:t> &lt;my-directive&gt;&lt;/my-directive&gt;</a:t>
-            </a:r>
-          </a:p>
-          <a:p>
-            <a:pPr marL="118872" indent="0">
-              <a:buNone/>
-            </a:pPr>
-            <a:r>
-              <a:rPr lang="en-US" sz="4000" b="1" dirty="0" smtClean="0"/>
-              <a:t>A:</a:t>
-            </a:r>
-            <a:r>
-              <a:rPr lang="en-US" sz="4000" dirty="0" smtClean="0"/>
-              <a:t> &lt;div my-directive&gt;&lt;/div&gt;</a:t>
-            </a:r>
-          </a:p>
-          <a:p>
-            <a:pPr marL="118872" indent="0">
-              <a:buNone/>
-            </a:pPr>
-            <a:r>
-              <a:rPr lang="en-US" sz="4000" b="1" dirty="0" smtClean="0"/>
-              <a:t>C:</a:t>
-            </a:r>
-            <a:r>
-              <a:rPr lang="en-US" sz="4000" dirty="0" smtClean="0"/>
-              <a:t> &lt;div class=“my-directive”&gt;&lt;/div&gt;</a:t>
-            </a:r>
-          </a:p>
-          <a:p>
-            <a:pPr marL="118872" indent="0">
-              <a:buNone/>
-            </a:pPr>
-            <a:r>
-              <a:rPr lang="en-US" sz="4000" b="1" dirty="0" smtClean="0"/>
-              <a:t>M:</a:t>
-            </a:r>
-            <a:r>
-              <a:rPr lang="en-US" sz="4000" dirty="0" smtClean="0"/>
-              <a:t> &lt;!-- directive: my-directive --&gt;</a:t>
-            </a:r>
-            <a:endParaRPr lang="en-US" sz="4000" dirty="0"/>
+            <a:r>
+              <a:rPr lang="en-US" sz="1200" dirty="0" err="1">
+                <a:latin typeface="Courier New"/>
+                <a:cs typeface="Courier New"/>
+              </a:rPr>
+              <a:t>app.directive</a:t>
+            </a:r>
+            <a:r>
+              <a:rPr lang="en-US" sz="1200" dirty="0">
+                <a:latin typeface="Courier New"/>
+                <a:cs typeface="Courier New"/>
+              </a:rPr>
+              <a:t>("</a:t>
+            </a:r>
+            <a:r>
+              <a:rPr lang="en-US" sz="1200" b="1" dirty="0">
+                <a:solidFill>
+                  <a:srgbClr val="FF0000"/>
+                </a:solidFill>
+                <a:latin typeface="Courier New"/>
+                <a:cs typeface="Courier New"/>
+              </a:rPr>
+              <a:t>collapsible</a:t>
+            </a:r>
+            <a:r>
+              <a:rPr lang="en-US" sz="1200" dirty="0">
+                <a:latin typeface="Courier New"/>
+                <a:cs typeface="Courier New"/>
+              </a:rPr>
+              <a:t>", function () {</a:t>
+            </a:r>
+          </a:p>
+          <a:p>
+            <a:pPr marL="118872" indent="0">
+              <a:buNone/>
+            </a:pPr>
+            <a:r>
+              <a:rPr lang="en-US" sz="1200" dirty="0">
+                <a:latin typeface="Courier New"/>
+                <a:cs typeface="Courier New"/>
+              </a:rPr>
+              <a:t>  return {</a:t>
+            </a:r>
+          </a:p>
+          <a:p>
+            <a:pPr marL="118872" indent="0">
+              <a:buNone/>
+            </a:pPr>
+            <a:r>
+              <a:rPr lang="en-US" sz="1200" dirty="0">
+                <a:latin typeface="Courier New"/>
+                <a:cs typeface="Courier New"/>
+              </a:rPr>
+              <a:t>    restrict: "</a:t>
+            </a:r>
+            <a:r>
+              <a:rPr lang="en-US" sz="1200" dirty="0" smtClean="0">
+                <a:latin typeface="Courier New"/>
+                <a:cs typeface="Courier New"/>
+              </a:rPr>
+              <a:t>E</a:t>
+            </a:r>
+            <a:r>
+              <a:rPr lang="en-US" sz="1200" dirty="0">
+                <a:latin typeface="Courier New"/>
+                <a:cs typeface="Courier New"/>
+              </a:rPr>
+              <a:t>"</a:t>
+            </a:r>
+            <a:r>
+              <a:rPr lang="en-US" sz="1200" dirty="0" smtClean="0">
+                <a:latin typeface="Courier New"/>
+                <a:cs typeface="Courier New"/>
+              </a:rPr>
+              <a:t>,</a:t>
+            </a:r>
+            <a:endParaRPr lang="en-US" sz="1200" dirty="0">
+              <a:latin typeface="Courier New"/>
+              <a:cs typeface="Courier New"/>
+            </a:endParaRPr>
+          </a:p>
+          <a:p>
+            <a:pPr marL="118872" indent="0">
+              <a:buNone/>
+            </a:pPr>
+            <a:r>
+              <a:rPr lang="en-US" sz="1200" dirty="0">
+                <a:latin typeface="Courier New"/>
+                <a:cs typeface="Courier New"/>
+              </a:rPr>
+              <a:t>    template: "&lt;div&gt;" +</a:t>
+            </a:r>
+          </a:p>
+          <a:p>
+            <a:pPr marL="118872" indent="0">
+              <a:buNone/>
+            </a:pPr>
+            <a:r>
+              <a:rPr lang="en-US" sz="1200" dirty="0">
+                <a:latin typeface="Courier New"/>
+                <a:cs typeface="Courier New"/>
+              </a:rPr>
+              <a:t>                "&lt;h3 data-</a:t>
+            </a:r>
+            <a:r>
+              <a:rPr lang="en-US" sz="1200" dirty="0" err="1">
+                <a:latin typeface="Courier New"/>
+                <a:cs typeface="Courier New"/>
+              </a:rPr>
+              <a:t>ng</a:t>
+            </a:r>
+            <a:r>
+              <a:rPr lang="en-US" sz="1200" dirty="0">
+                <a:latin typeface="Courier New"/>
+                <a:cs typeface="Courier New"/>
+              </a:rPr>
+              <a:t>-click='</a:t>
+            </a:r>
+            <a:r>
+              <a:rPr lang="en-US" sz="1200" dirty="0" err="1">
+                <a:latin typeface="Courier New"/>
+                <a:cs typeface="Courier New"/>
+              </a:rPr>
+              <a:t>toggleVisibility</a:t>
+            </a:r>
+            <a:r>
+              <a:rPr lang="en-US" sz="1200" dirty="0">
+                <a:latin typeface="Courier New"/>
+                <a:cs typeface="Courier New"/>
+              </a:rPr>
+              <a:t>()'&gt;{{title}}&lt;/h3&gt;" +</a:t>
+            </a:r>
+          </a:p>
+          <a:p>
+            <a:pPr marL="118872" indent="0">
+              <a:buNone/>
+            </a:pPr>
+            <a:r>
+              <a:rPr lang="en-US" sz="1200" dirty="0">
+                <a:latin typeface="Courier New"/>
+                <a:cs typeface="Courier New"/>
+              </a:rPr>
+              <a:t>                "&lt;div data-</a:t>
+            </a:r>
+            <a:r>
+              <a:rPr lang="en-US" sz="1200" dirty="0" err="1">
+                <a:latin typeface="Courier New"/>
+                <a:cs typeface="Courier New"/>
+              </a:rPr>
+              <a:t>ng</a:t>
+            </a:r>
+            <a:r>
+              <a:rPr lang="en-US" sz="1200" dirty="0">
+                <a:latin typeface="Courier New"/>
+                <a:cs typeface="Courier New"/>
+              </a:rPr>
+              <a:t>-show='visible' data-</a:t>
+            </a:r>
+            <a:r>
+              <a:rPr lang="en-US" sz="1200" dirty="0" err="1">
+                <a:latin typeface="Courier New"/>
+                <a:cs typeface="Courier New"/>
+              </a:rPr>
+              <a:t>ng</a:t>
+            </a:r>
+            <a:r>
+              <a:rPr lang="en-US" sz="1200" dirty="0">
+                <a:latin typeface="Courier New"/>
+                <a:cs typeface="Courier New"/>
+              </a:rPr>
+              <a:t>-</a:t>
+            </a:r>
+            <a:r>
+              <a:rPr lang="en-US" sz="1200" dirty="0" err="1">
+                <a:latin typeface="Courier New"/>
+                <a:cs typeface="Courier New"/>
+              </a:rPr>
+              <a:t>transclude</a:t>
+            </a:r>
+            <a:r>
+              <a:rPr lang="en-US" sz="1200" dirty="0">
+                <a:latin typeface="Courier New"/>
+                <a:cs typeface="Courier New"/>
+              </a:rPr>
+              <a:t>&gt;&lt;/div&gt;" +</a:t>
+            </a:r>
+          </a:p>
+          <a:p>
+            <a:pPr marL="118872" indent="0">
+              <a:buNone/>
+            </a:pPr>
+            <a:r>
+              <a:rPr lang="en-US" sz="1200" dirty="0">
+                <a:latin typeface="Courier New"/>
+                <a:cs typeface="Courier New"/>
+              </a:rPr>
+              <a:t>              "&lt;/div&gt;",</a:t>
+            </a:r>
+          </a:p>
+          <a:p>
+            <a:pPr marL="118872" indent="0">
+              <a:buNone/>
+            </a:pPr>
+            <a:r>
+              <a:rPr lang="en-US" sz="1200" dirty="0">
+                <a:latin typeface="Courier New"/>
+                <a:cs typeface="Courier New"/>
+              </a:rPr>
+              <a:t> </a:t>
+            </a:r>
+            <a:r>
+              <a:rPr lang="en-US" sz="1200" dirty="0" smtClean="0">
+                <a:latin typeface="Courier New"/>
+                <a:cs typeface="Courier New"/>
+              </a:rPr>
+              <a:t>   scope</a:t>
+            </a:r>
+            <a:r>
+              <a:rPr lang="en-US" sz="1200" dirty="0">
+                <a:latin typeface="Courier New"/>
+                <a:cs typeface="Courier New"/>
+              </a:rPr>
+              <a:t>: {</a:t>
+            </a:r>
+          </a:p>
+          <a:p>
+            <a:pPr marL="118872" indent="0">
+              <a:buNone/>
+            </a:pPr>
+            <a:r>
+              <a:rPr lang="en-US" sz="1200" dirty="0">
+                <a:latin typeface="Courier New"/>
+                <a:cs typeface="Courier New"/>
+              </a:rPr>
+              <a:t>    </a:t>
+            </a:r>
+            <a:r>
+              <a:rPr lang="en-US" sz="1200" dirty="0" smtClean="0">
+                <a:latin typeface="Courier New"/>
+                <a:cs typeface="Courier New"/>
+              </a:rPr>
+              <a:t>  title</a:t>
+            </a:r>
+            <a:r>
+              <a:rPr lang="en-US" sz="1200" dirty="0">
+                <a:latin typeface="Courier New"/>
+                <a:cs typeface="Courier New"/>
+              </a:rPr>
+              <a:t>: "@”</a:t>
+            </a:r>
+          </a:p>
+          <a:p>
+            <a:pPr marL="118872" indent="0">
+              <a:buNone/>
+            </a:pPr>
+            <a:r>
+              <a:rPr lang="en-US" sz="1200" dirty="0">
+                <a:latin typeface="Courier New"/>
+                <a:cs typeface="Courier New"/>
+              </a:rPr>
+              <a:t>    }</a:t>
+            </a:r>
+            <a:r>
+              <a:rPr lang="en-US" sz="1200" dirty="0" smtClean="0">
+                <a:latin typeface="Courier New"/>
+                <a:cs typeface="Courier New"/>
+              </a:rPr>
+              <a:t>,</a:t>
+            </a:r>
+          </a:p>
+          <a:p>
+            <a:pPr marL="118872" indent="0">
+              <a:buNone/>
+            </a:pPr>
+            <a:r>
+              <a:rPr lang="en-US" sz="1200" dirty="0" smtClean="0">
+                <a:latin typeface="Courier New"/>
+                <a:cs typeface="Courier New"/>
+              </a:rPr>
+              <a:t>    </a:t>
+            </a:r>
+            <a:r>
+              <a:rPr lang="en-US" sz="1200" b="1" dirty="0">
+                <a:solidFill>
+                  <a:srgbClr val="FF0000"/>
+                </a:solidFill>
+                <a:latin typeface="Courier New"/>
+                <a:cs typeface="Courier New"/>
+              </a:rPr>
+              <a:t>replace</a:t>
+            </a:r>
+            <a:r>
+              <a:rPr lang="en-US" sz="1200" dirty="0">
+                <a:latin typeface="Courier New"/>
+                <a:cs typeface="Courier New"/>
+              </a:rPr>
+              <a:t>: true</a:t>
+            </a:r>
+            <a:r>
+              <a:rPr lang="en-US" sz="1200" dirty="0" smtClean="0">
+                <a:latin typeface="Courier New"/>
+                <a:cs typeface="Courier New"/>
+              </a:rPr>
+              <a:t>,</a:t>
+            </a:r>
+          </a:p>
+          <a:p>
+            <a:pPr marL="118872" indent="0">
+              <a:buNone/>
+            </a:pPr>
+            <a:r>
+              <a:rPr lang="en-US" sz="1200" dirty="0" smtClean="0">
+                <a:latin typeface="Courier New"/>
+                <a:cs typeface="Courier New"/>
+              </a:rPr>
+              <a:t>    </a:t>
+            </a:r>
+            <a:r>
+              <a:rPr lang="en-US" sz="1200" b="1" dirty="0" smtClean="0">
+                <a:solidFill>
+                  <a:srgbClr val="FF0000"/>
+                </a:solidFill>
+                <a:latin typeface="Courier New"/>
+                <a:cs typeface="Courier New"/>
+              </a:rPr>
+              <a:t>link</a:t>
+            </a:r>
+            <a:r>
+              <a:rPr lang="en-US" sz="1200" dirty="0">
+                <a:latin typeface="Courier New"/>
+                <a:cs typeface="Courier New"/>
+              </a:rPr>
+              <a:t>: function (</a:t>
+            </a:r>
+            <a:r>
+              <a:rPr lang="en-US" sz="1200" b="1" dirty="0">
+                <a:solidFill>
+                  <a:srgbClr val="FF0000"/>
+                </a:solidFill>
+                <a:latin typeface="Courier New"/>
+                <a:cs typeface="Courier New"/>
+              </a:rPr>
+              <a:t>scope</a:t>
+            </a:r>
+            <a:r>
+              <a:rPr lang="en-US" sz="1200" dirty="0">
+                <a:latin typeface="Courier New"/>
+                <a:cs typeface="Courier New"/>
+              </a:rPr>
+              <a:t>, </a:t>
+            </a:r>
+            <a:r>
+              <a:rPr lang="en-US" sz="1200" b="1" dirty="0">
+                <a:solidFill>
+                  <a:srgbClr val="FF0000"/>
+                </a:solidFill>
+                <a:latin typeface="Courier New"/>
+                <a:cs typeface="Courier New"/>
+              </a:rPr>
+              <a:t>element</a:t>
+            </a:r>
+            <a:r>
+              <a:rPr lang="en-US" sz="1200" dirty="0">
+                <a:latin typeface="Courier New"/>
+                <a:cs typeface="Courier New"/>
+              </a:rPr>
+              <a:t>, </a:t>
+            </a:r>
+            <a:r>
+              <a:rPr lang="en-US" sz="1200" dirty="0" err="1">
+                <a:latin typeface="Courier New"/>
+                <a:cs typeface="Courier New"/>
+              </a:rPr>
+              <a:t>attrs</a:t>
+            </a:r>
+            <a:r>
+              <a:rPr lang="en-US" sz="1200" dirty="0">
+                <a:latin typeface="Courier New"/>
+                <a:cs typeface="Courier New"/>
+              </a:rPr>
+              <a:t>, </a:t>
+            </a:r>
+            <a:r>
+              <a:rPr lang="en-US" sz="1200" dirty="0" err="1">
+                <a:latin typeface="Courier New"/>
+                <a:cs typeface="Courier New"/>
+              </a:rPr>
+              <a:t>ctrls</a:t>
+            </a:r>
+            <a:r>
+              <a:rPr lang="en-US" sz="1200" dirty="0">
+                <a:latin typeface="Courier New"/>
+                <a:cs typeface="Courier New"/>
+              </a:rPr>
+              <a:t>, </a:t>
+            </a:r>
+            <a:r>
+              <a:rPr lang="en-US" sz="1200" b="1" dirty="0" err="1">
+                <a:solidFill>
+                  <a:srgbClr val="FF0000"/>
+                </a:solidFill>
+                <a:latin typeface="Courier New"/>
+                <a:cs typeface="Courier New"/>
+              </a:rPr>
+              <a:t>transclude</a:t>
+            </a:r>
+            <a:r>
+              <a:rPr lang="en-US" sz="1200" dirty="0">
+                <a:latin typeface="Courier New"/>
+                <a:cs typeface="Courier New"/>
+              </a:rPr>
+              <a:t>) {</a:t>
+            </a:r>
+          </a:p>
+          <a:p>
+            <a:pPr marL="118872" indent="0">
+              <a:buNone/>
+            </a:pPr>
+            <a:r>
+              <a:rPr lang="en-US" sz="1200" dirty="0" smtClean="0">
+                <a:latin typeface="Courier New"/>
+                <a:cs typeface="Courier New"/>
+              </a:rPr>
+              <a:t>      </a:t>
+            </a:r>
+            <a:r>
+              <a:rPr lang="en-US" sz="1200" b="1" dirty="0" err="1" smtClean="0">
+                <a:solidFill>
+                  <a:srgbClr val="FF0000"/>
+                </a:solidFill>
+                <a:latin typeface="Courier New"/>
+                <a:cs typeface="Courier New"/>
+              </a:rPr>
+              <a:t>transclude</a:t>
+            </a:r>
+            <a:r>
+              <a:rPr lang="en-US" sz="1200" dirty="0">
+                <a:latin typeface="Courier New"/>
+                <a:cs typeface="Courier New"/>
+              </a:rPr>
+              <a:t>(</a:t>
+            </a:r>
+            <a:r>
+              <a:rPr lang="en-US" sz="1200" dirty="0" err="1">
+                <a:latin typeface="Courier New"/>
+                <a:cs typeface="Courier New"/>
+              </a:rPr>
+              <a:t>scope.$parent</a:t>
+            </a:r>
+            <a:r>
+              <a:rPr lang="en-US" sz="1200" dirty="0">
+                <a:latin typeface="Courier New"/>
+                <a:cs typeface="Courier New"/>
+              </a:rPr>
+              <a:t>, function(clone, scope) {</a:t>
+            </a:r>
+          </a:p>
+          <a:p>
+            <a:pPr marL="118872" indent="0">
+              <a:buNone/>
+            </a:pPr>
+            <a:r>
+              <a:rPr lang="en-US" sz="1200" dirty="0">
+                <a:latin typeface="Courier New"/>
+                <a:cs typeface="Courier New"/>
+              </a:rPr>
+              <a:t>        </a:t>
+            </a:r>
+            <a:r>
+              <a:rPr lang="en-US" sz="1200" dirty="0" err="1">
+                <a:latin typeface="Courier New"/>
+                <a:cs typeface="Courier New"/>
+              </a:rPr>
+              <a:t>element.children</a:t>
+            </a:r>
+            <a:r>
+              <a:rPr lang="en-US" sz="1200" dirty="0">
+                <a:latin typeface="Courier New"/>
+                <a:cs typeface="Courier New"/>
+              </a:rPr>
+              <a:t>().</a:t>
+            </a:r>
+            <a:r>
+              <a:rPr lang="en-US" sz="1200" dirty="0" err="1">
+                <a:latin typeface="Courier New"/>
+                <a:cs typeface="Courier New"/>
+              </a:rPr>
+              <a:t>eq</a:t>
+            </a:r>
+            <a:r>
+              <a:rPr lang="en-US" sz="1200" dirty="0">
+                <a:latin typeface="Courier New"/>
+                <a:cs typeface="Courier New"/>
+              </a:rPr>
+              <a:t>(1).empty();</a:t>
+            </a:r>
+          </a:p>
+          <a:p>
+            <a:pPr marL="118872" indent="0">
+              <a:buNone/>
+            </a:pPr>
+            <a:r>
+              <a:rPr lang="en-US" sz="1200" dirty="0">
+                <a:latin typeface="Courier New"/>
+                <a:cs typeface="Courier New"/>
+              </a:rPr>
+              <a:t>        </a:t>
+            </a:r>
+            <a:r>
+              <a:rPr lang="en-US" sz="1200" dirty="0" err="1">
+                <a:latin typeface="Courier New"/>
+                <a:cs typeface="Courier New"/>
+              </a:rPr>
+              <a:t>element.children</a:t>
+            </a:r>
+            <a:r>
+              <a:rPr lang="en-US" sz="1200" dirty="0">
+                <a:latin typeface="Courier New"/>
+                <a:cs typeface="Courier New"/>
+              </a:rPr>
+              <a:t>().append(clone);</a:t>
+            </a:r>
+          </a:p>
+          <a:p>
+            <a:pPr marL="118872" indent="0">
+              <a:buNone/>
+            </a:pPr>
+            <a:r>
+              <a:rPr lang="en-US" sz="1200" dirty="0">
+                <a:latin typeface="Courier New"/>
+                <a:cs typeface="Courier New"/>
+              </a:rPr>
+              <a:t>      });</a:t>
+            </a:r>
+          </a:p>
+          <a:p>
+            <a:pPr marL="118872" indent="0">
+              <a:buNone/>
+            </a:pPr>
+            <a:r>
+              <a:rPr lang="en-US" sz="1200" dirty="0">
+                <a:latin typeface="Courier New"/>
+                <a:cs typeface="Courier New"/>
+              </a:rPr>
+              <a:t>    },</a:t>
+            </a:r>
+          </a:p>
+          <a:p>
+            <a:pPr marL="118872" indent="0">
+              <a:buNone/>
+            </a:pPr>
+            <a:r>
+              <a:rPr lang="en-US" sz="1200" dirty="0">
+                <a:latin typeface="Courier New"/>
+                <a:cs typeface="Courier New"/>
+              </a:rPr>
+              <a:t>    </a:t>
+            </a:r>
+            <a:r>
+              <a:rPr lang="en-US" sz="1200" b="1" dirty="0" smtClean="0">
+                <a:solidFill>
+                  <a:srgbClr val="FF0000"/>
+                </a:solidFill>
+                <a:latin typeface="Courier New"/>
+                <a:cs typeface="Courier New"/>
+              </a:rPr>
+              <a:t>controller</a:t>
+            </a:r>
+            <a:r>
+              <a:rPr lang="en-US" sz="1200" dirty="0" smtClean="0">
+                <a:latin typeface="Courier New"/>
+                <a:cs typeface="Courier New"/>
+              </a:rPr>
+              <a:t>: </a:t>
+            </a:r>
+            <a:r>
+              <a:rPr lang="en-US" sz="1200" dirty="0">
+                <a:latin typeface="Courier New"/>
+                <a:cs typeface="Courier New"/>
+              </a:rPr>
+              <a:t>function ($scope) {</a:t>
+            </a:r>
+          </a:p>
+          <a:p>
+            <a:pPr marL="118872" indent="0">
+              <a:buNone/>
+            </a:pPr>
+            <a:r>
+              <a:rPr lang="en-US" sz="1200" dirty="0">
+                <a:latin typeface="Courier New"/>
+                <a:cs typeface="Courier New"/>
+              </a:rPr>
+              <a:t>      $</a:t>
+            </a:r>
+            <a:r>
+              <a:rPr lang="en-US" sz="1200" dirty="0" err="1">
+                <a:latin typeface="Courier New"/>
+                <a:cs typeface="Courier New"/>
+              </a:rPr>
+              <a:t>scope.visible</a:t>
+            </a:r>
+            <a:r>
+              <a:rPr lang="en-US" sz="1200" dirty="0">
+                <a:latin typeface="Courier New"/>
+                <a:cs typeface="Courier New"/>
+              </a:rPr>
+              <a:t> = true;</a:t>
+            </a:r>
+          </a:p>
+          <a:p>
+            <a:pPr marL="118872" indent="0">
+              <a:buNone/>
+            </a:pPr>
+            <a:endParaRPr lang="en-US" sz="1200" dirty="0">
+              <a:latin typeface="Courier New"/>
+              <a:cs typeface="Courier New"/>
+            </a:endParaRPr>
+          </a:p>
+          <a:p>
+            <a:pPr marL="118872" indent="0">
+              <a:buNone/>
+            </a:pPr>
+            <a:r>
+              <a:rPr lang="en-US" sz="1200" dirty="0">
+                <a:latin typeface="Courier New"/>
+                <a:cs typeface="Courier New"/>
+              </a:rPr>
+              <a:t>      $</a:t>
+            </a:r>
+            <a:r>
+              <a:rPr lang="en-US" sz="1200" dirty="0" err="1">
+                <a:latin typeface="Courier New"/>
+                <a:cs typeface="Courier New"/>
+              </a:rPr>
+              <a:t>scope.</a:t>
+            </a:r>
+            <a:r>
+              <a:rPr lang="en-US" sz="1200" b="1" dirty="0" err="1">
+                <a:solidFill>
+                  <a:srgbClr val="FF0000"/>
+                </a:solidFill>
+                <a:latin typeface="Courier New"/>
+                <a:cs typeface="Courier New"/>
+              </a:rPr>
+              <a:t>toggleVisibility</a:t>
+            </a:r>
+            <a:r>
+              <a:rPr lang="en-US" sz="1200" dirty="0">
+                <a:latin typeface="Courier New"/>
+                <a:cs typeface="Courier New"/>
+              </a:rPr>
+              <a:t> = function () {</a:t>
+            </a:r>
+          </a:p>
+          <a:p>
+            <a:pPr marL="118872" indent="0">
+              <a:buNone/>
+            </a:pPr>
+            <a:r>
+              <a:rPr lang="en-US" sz="1200" dirty="0">
+                <a:latin typeface="Courier New"/>
+                <a:cs typeface="Courier New"/>
+              </a:rPr>
+              <a:t>        $</a:t>
+            </a:r>
+            <a:r>
+              <a:rPr lang="en-US" sz="1200" dirty="0" err="1">
+                <a:latin typeface="Courier New"/>
+                <a:cs typeface="Courier New"/>
+              </a:rPr>
+              <a:t>scope.visible</a:t>
+            </a:r>
+            <a:r>
+              <a:rPr lang="en-US" sz="1200" dirty="0">
+                <a:latin typeface="Courier New"/>
+                <a:cs typeface="Courier New"/>
+              </a:rPr>
+              <a:t> = !$</a:t>
+            </a:r>
+            <a:r>
+              <a:rPr lang="en-US" sz="1200" dirty="0" err="1">
+                <a:latin typeface="Courier New"/>
+                <a:cs typeface="Courier New"/>
+              </a:rPr>
+              <a:t>scope.visible</a:t>
+            </a:r>
+            <a:r>
+              <a:rPr lang="en-US" sz="1200" dirty="0">
+                <a:latin typeface="Courier New"/>
+                <a:cs typeface="Courier New"/>
+              </a:rPr>
+              <a:t>;</a:t>
+            </a:r>
+          </a:p>
+          <a:p>
+            <a:pPr marL="118872" indent="0">
+              <a:buNone/>
+            </a:pPr>
+            <a:r>
+              <a:rPr lang="en-US" sz="1200" dirty="0" smtClean="0">
+                <a:latin typeface="Courier New"/>
+                <a:cs typeface="Courier New"/>
+              </a:rPr>
+              <a:t>        if </a:t>
+            </a:r>
+            <a:r>
+              <a:rPr lang="en-US" sz="1200" dirty="0">
+                <a:latin typeface="Courier New"/>
+                <a:cs typeface="Courier New"/>
+              </a:rPr>
+              <a:t>(!$</a:t>
+            </a:r>
+            <a:r>
+              <a:rPr lang="en-US" sz="1200" dirty="0" err="1">
+                <a:latin typeface="Courier New"/>
+                <a:cs typeface="Courier New"/>
+              </a:rPr>
+              <a:t>scope.visible</a:t>
+            </a:r>
+            <a:r>
+              <a:rPr lang="en-US" sz="1200" dirty="0">
+                <a:latin typeface="Courier New"/>
+                <a:cs typeface="Courier New"/>
+              </a:rPr>
+              <a:t>) $scope.</a:t>
+            </a:r>
+            <a:r>
+              <a:rPr lang="en-US" sz="1200" b="1" dirty="0">
+                <a:solidFill>
+                  <a:srgbClr val="FF0000"/>
+                </a:solidFill>
+                <a:latin typeface="Courier New"/>
+                <a:cs typeface="Courier New"/>
+              </a:rPr>
+              <a:t>$</a:t>
+            </a:r>
+            <a:r>
+              <a:rPr lang="en-US" sz="1200" b="1" dirty="0" err="1">
+                <a:solidFill>
+                  <a:srgbClr val="FF0000"/>
+                </a:solidFill>
+                <a:latin typeface="Courier New"/>
+                <a:cs typeface="Courier New"/>
+              </a:rPr>
+              <a:t>parent</a:t>
+            </a:r>
+            <a:r>
+              <a:rPr lang="en-US" sz="1200" dirty="0" err="1">
+                <a:latin typeface="Courier New"/>
+                <a:cs typeface="Courier New"/>
+              </a:rPr>
+              <a:t>.search.name</a:t>
+            </a:r>
+            <a:r>
+              <a:rPr lang="en-US" sz="1200" dirty="0">
+                <a:latin typeface="Courier New"/>
+                <a:cs typeface="Courier New"/>
+              </a:rPr>
+              <a:t> = </a:t>
+            </a:r>
+            <a:r>
+              <a:rPr lang="en-US" sz="1200" dirty="0" smtClean="0">
+                <a:latin typeface="Courier New"/>
+                <a:cs typeface="Courier New"/>
+              </a:rPr>
+              <a:t>””</a:t>
+            </a:r>
+            <a:endParaRPr lang="en-US" sz="1200" dirty="0">
+              <a:latin typeface="Courier New"/>
+              <a:cs typeface="Courier New"/>
+            </a:endParaRPr>
+          </a:p>
+          <a:p>
+            <a:pPr marL="118872" indent="0">
+              <a:buNone/>
+            </a:pPr>
+            <a:r>
+              <a:rPr lang="en-US" sz="1200" dirty="0">
+                <a:latin typeface="Courier New"/>
+                <a:cs typeface="Courier New"/>
+              </a:rPr>
+              <a:t>      };</a:t>
+            </a:r>
+          </a:p>
+          <a:p>
+            <a:pPr marL="118872" indent="0">
+              <a:buNone/>
+            </a:pPr>
+            <a:r>
+              <a:rPr lang="en-US" sz="1200" dirty="0">
+                <a:latin typeface="Courier New"/>
+                <a:cs typeface="Courier New"/>
+              </a:rPr>
+              <a:t>    },</a:t>
+            </a:r>
+          </a:p>
+          <a:p>
+            <a:pPr marL="118872" indent="0">
+              <a:buNone/>
+            </a:pPr>
+            <a:r>
+              <a:rPr lang="en-US" sz="1200" dirty="0">
+                <a:latin typeface="Courier New"/>
+                <a:cs typeface="Courier New"/>
+              </a:rPr>
+              <a:t>    </a:t>
+            </a:r>
+            <a:r>
+              <a:rPr lang="en-US" sz="1200" dirty="0" err="1">
+                <a:latin typeface="Courier New"/>
+                <a:cs typeface="Courier New"/>
+              </a:rPr>
+              <a:t>transclude</a:t>
+            </a:r>
+            <a:r>
+              <a:rPr lang="en-US" sz="1200" dirty="0">
+                <a:latin typeface="Courier New"/>
+                <a:cs typeface="Courier New"/>
+              </a:rPr>
+              <a:t>: </a:t>
+            </a:r>
+            <a:r>
+              <a:rPr lang="en-US" sz="1200" dirty="0" smtClean="0">
+                <a:latin typeface="Courier New"/>
+                <a:cs typeface="Courier New"/>
+              </a:rPr>
+              <a:t>true</a:t>
+            </a:r>
+            <a:endParaRPr lang="en-US" sz="1200" dirty="0">
+              <a:latin typeface="Courier New"/>
+              <a:cs typeface="Courier New"/>
+            </a:endParaRPr>
+          </a:p>
+          <a:p>
+            <a:pPr marL="118872" indent="0">
+              <a:buNone/>
+            </a:pPr>
+            <a:r>
+              <a:rPr lang="en-US" sz="1200" dirty="0">
+                <a:latin typeface="Courier New"/>
+                <a:cs typeface="Courier New"/>
+              </a:rPr>
+              <a:t>  };</a:t>
+            </a:r>
+          </a:p>
+          <a:p>
+            <a:pPr marL="118872" indent="0">
+              <a:buNone/>
+            </a:pPr>
+            <a:r>
+              <a:rPr lang="en-US" sz="1200" dirty="0">
+                <a:latin typeface="Courier New"/>
+                <a:cs typeface="Courier New"/>
+              </a:rPr>
+              <a:t>});</a:t>
+            </a:r>
+            <a:endParaRPr lang="en-US" sz="1200" dirty="0" smtClean="0">
+              <a:latin typeface="Courier New"/>
+              <a:cs typeface="Courier New"/>
+            </a:endParaRPr>
           </a:p>
         </p:txBody>
       </p:sp>
     </p:spTree>
     <p:extLst>
       <p:ext uri="{BB962C8B-B14F-4D97-AF65-F5344CB8AC3E}">
-        <p14:creationId xmlns:p14="http://schemas.microsoft.com/office/powerpoint/2010/main" val="3782363645"/>
+        <p14:creationId xmlns:p14="http://schemas.microsoft.com/office/powerpoint/2010/main" val="4000267758"/>
       </p:ext>
     </p:extLst>
   </p:cSld>
@@ -19277,12 +20700,25 @@
         </p:nvSpPr>
         <p:spPr/>
         <p:txBody>
-          <a:bodyPr/>
+          <a:bodyPr>
+            <a:normAutofit fontScale="90000"/>
+          </a:bodyPr>
           <a:lstStyle/>
           <a:p>
             <a:r>
               <a:rPr lang="en-US" dirty="0" smtClean="0"/>
               <a:t>AngularJS On-Ramp</a:t>
+            </a:r>
+            <a:br>
+              <a:rPr lang="en-US" dirty="0" smtClean="0"/>
+            </a:br>
+            <a:r>
+              <a:rPr lang="en-US" dirty="0" smtClean="0"/>
+              <a:t>Advanced Directive </a:t>
+            </a:r>
+            <a:r>
+              <a:rPr lang="en-US" dirty="0" smtClean="0"/>
+              <a:t>Usage</a:t>
             </a:r>
             <a:endParaRPr lang="en-US" dirty="0"/>
           </a:p>
@@ -19305,27 +20741,189 @@
           </a:bodyPr>
           <a:lstStyle/>
           <a:p>
-            <a:endParaRPr lang="en-US" sz="4800" dirty="0" smtClean="0"/>
-          </a:p>
-          <a:p>
-            <a:endParaRPr lang="en-US" sz="4800" dirty="0"/>
-          </a:p>
-          <a:p>
-            <a:pPr marL="118872" indent="0" algn="ctr">
-              <a:buNone/>
-            </a:pPr>
-            <a:r>
-              <a:rPr lang="en-US" sz="4800" dirty="0" smtClean="0"/>
-              <a:t>Custom Filters</a:t>
-            </a:r>
-            <a:endParaRPr lang="en-US" sz="4800" dirty="0"/>
+            <a:pPr marL="118872" indent="0">
+              <a:buNone/>
+            </a:pPr>
+            <a:r>
+              <a:rPr lang="en-US" sz="1200" dirty="0">
+                <a:latin typeface="Courier New"/>
+                <a:cs typeface="Courier New"/>
+              </a:rPr>
+              <a:t>&lt;</a:t>
+            </a:r>
+            <a:r>
+              <a:rPr lang="en-US" sz="1200" b="1" dirty="0">
+                <a:solidFill>
+                  <a:srgbClr val="FF0000"/>
+                </a:solidFill>
+                <a:latin typeface="Courier New"/>
+                <a:cs typeface="Courier New"/>
+              </a:rPr>
+              <a:t>collapsible</a:t>
+            </a:r>
+            <a:r>
+              <a:rPr lang="en-US" sz="1200" dirty="0">
+                <a:solidFill>
+                  <a:srgbClr val="FF0000"/>
+                </a:solidFill>
+                <a:latin typeface="Courier New"/>
+                <a:cs typeface="Courier New"/>
+              </a:rPr>
+              <a:t> </a:t>
+            </a:r>
+            <a:r>
+              <a:rPr lang="en-US" sz="1200" b="1" dirty="0" smtClean="0">
+                <a:solidFill>
+                  <a:srgbClr val="FF0000"/>
+                </a:solidFill>
+                <a:latin typeface="Courier New"/>
+                <a:cs typeface="Courier New"/>
+              </a:rPr>
+              <a:t>title</a:t>
+            </a:r>
+            <a:r>
+              <a:rPr lang="en-US" sz="1200" dirty="0" smtClean="0">
+                <a:latin typeface="Courier New"/>
+                <a:cs typeface="Courier New"/>
+              </a:rPr>
+              <a:t>=</a:t>
+            </a:r>
+            <a:r>
+              <a:rPr lang="en-US" sz="1200" dirty="0">
+                <a:latin typeface="Courier New"/>
+                <a:cs typeface="Courier New"/>
+              </a:rPr>
+              <a:t>"Toggle Filtering"</a:t>
+            </a:r>
+            <a:r>
+              <a:rPr lang="en-US" sz="1200" dirty="0">
+                <a:latin typeface="Courier New"/>
+                <a:cs typeface="Courier New"/>
+              </a:rPr>
+              <a:t>&gt;</a:t>
+            </a:r>
+          </a:p>
+          <a:p>
+            <a:pPr marL="118872" indent="0">
+              <a:buNone/>
+            </a:pPr>
+            <a:r>
+              <a:rPr lang="en-US" sz="1200" dirty="0">
+                <a:latin typeface="Courier New"/>
+                <a:cs typeface="Courier New"/>
+              </a:rPr>
+              <a:t>  Filter: &lt;input type</a:t>
+            </a:r>
+            <a:r>
+              <a:rPr lang="en-US" sz="1200" dirty="0" smtClean="0">
+                <a:latin typeface="Courier New"/>
+                <a:cs typeface="Courier New"/>
+              </a:rPr>
+              <a:t>="text</a:t>
+            </a:r>
+            <a:r>
+              <a:rPr lang="en-US" sz="1200" dirty="0">
+                <a:latin typeface="Courier New"/>
+                <a:cs typeface="Courier New"/>
+              </a:rPr>
+              <a:t>"</a:t>
+            </a:r>
+            <a:r>
+              <a:rPr lang="en-US" sz="1200" dirty="0" smtClean="0">
+                <a:latin typeface="Courier New"/>
+                <a:cs typeface="Courier New"/>
+              </a:rPr>
+              <a:t> </a:t>
+            </a:r>
+            <a:r>
+              <a:rPr lang="en-US" sz="1200" dirty="0">
+                <a:latin typeface="Courier New"/>
+                <a:cs typeface="Courier New"/>
+              </a:rPr>
+              <a:t>data-ng-model</a:t>
+            </a:r>
+            <a:r>
+              <a:rPr lang="en-US" sz="1200" dirty="0" smtClean="0">
+                <a:latin typeface="Courier New"/>
+                <a:cs typeface="Courier New"/>
+              </a:rPr>
+              <a:t>=</a:t>
+            </a:r>
+            <a:r>
+              <a:rPr lang="en-US" sz="1200" dirty="0">
+                <a:latin typeface="Courier New"/>
+                <a:cs typeface="Courier New"/>
+              </a:rPr>
+              <a:t>"</a:t>
+            </a:r>
+            <a:r>
+              <a:rPr lang="en-US" sz="1200" dirty="0" smtClean="0">
+                <a:latin typeface="Courier New"/>
+                <a:cs typeface="Courier New"/>
+              </a:rPr>
+              <a:t>search.name</a:t>
+            </a:r>
+            <a:r>
+              <a:rPr lang="en-US" sz="1200" dirty="0">
+                <a:latin typeface="Courier New"/>
+                <a:cs typeface="Courier New"/>
+              </a:rPr>
+              <a:t>"</a:t>
+            </a:r>
+            <a:r>
+              <a:rPr lang="en-US" sz="1200" dirty="0" smtClean="0">
+                <a:latin typeface="Courier New"/>
+                <a:cs typeface="Courier New"/>
+              </a:rPr>
+              <a:t>&gt;</a:t>
+            </a:r>
+            <a:endParaRPr lang="en-US" sz="1200" dirty="0">
+              <a:latin typeface="Courier New"/>
+              <a:cs typeface="Courier New"/>
+            </a:endParaRPr>
+          </a:p>
+          <a:p>
+            <a:pPr marL="118872" indent="0">
+              <a:buNone/>
+            </a:pPr>
+            <a:r>
+              <a:rPr lang="en-US" sz="1200" dirty="0">
+                <a:latin typeface="Courier New"/>
+                <a:cs typeface="Courier New"/>
+              </a:rPr>
+              <a:t>&lt;</a:t>
+            </a:r>
+            <a:r>
+              <a:rPr lang="en-US" sz="1200" dirty="0" smtClean="0">
+                <a:latin typeface="Courier New"/>
+                <a:cs typeface="Courier New"/>
+              </a:rPr>
+              <a:t>/</a:t>
+            </a:r>
+            <a:r>
+              <a:rPr lang="en-US" sz="1200" b="1" dirty="0" smtClean="0">
+                <a:solidFill>
+                  <a:srgbClr val="FF0000"/>
+                </a:solidFill>
+                <a:latin typeface="Courier New"/>
+                <a:cs typeface="Courier New"/>
+              </a:rPr>
+              <a:t>collapsible</a:t>
+            </a:r>
+            <a:r>
+              <a:rPr lang="en-US" sz="1200" dirty="0" smtClean="0">
+                <a:latin typeface="Courier New"/>
+                <a:cs typeface="Courier New"/>
+              </a:rPr>
+              <a:t>&gt;</a:t>
+            </a:r>
           </a:p>
         </p:txBody>
       </p:sp>
     </p:spTree>
     <p:extLst>
       <p:ext uri="{BB962C8B-B14F-4D97-AF65-F5344CB8AC3E}">
-        <p14:creationId xmlns:p14="http://schemas.microsoft.com/office/powerpoint/2010/main" val="2990593875"/>
+        <p14:creationId xmlns:p14="http://schemas.microsoft.com/office/powerpoint/2010/main" val="3852534538"/>
       </p:ext>
     </p:extLst>
   </p:cSld>
@@ -19385,7 +20983,7 @@
             </a:br>
             <a:r>
               <a:rPr lang="en-US" dirty="0" smtClean="0"/>
-              <a:t>Custom “spacer” Filter</a:t>
+              <a:t>Custom Directives</a:t>
             </a:r>
             <a:endParaRPr lang="en-US" dirty="0"/>
           </a:p>
@@ -19411,97 +21009,67 @@
             <a:pPr marL="118872" indent="0">
               <a:buNone/>
             </a:pPr>
-            <a:r>
-              <a:rPr lang="en-US" sz="2800" dirty="0">
-                <a:latin typeface="Courier New"/>
-                <a:cs typeface="Courier New"/>
-              </a:rPr>
-              <a:t>app.</a:t>
-            </a:r>
-            <a:r>
-              <a:rPr lang="en-US" sz="2800" b="1" dirty="0">
-                <a:solidFill>
-                  <a:srgbClr val="FF0000"/>
-                </a:solidFill>
-                <a:latin typeface="Courier New"/>
-                <a:cs typeface="Courier New"/>
-              </a:rPr>
-              <a:t>filter</a:t>
-            </a:r>
-            <a:r>
-              <a:rPr lang="en-US" sz="2800" dirty="0">
-                <a:latin typeface="Courier New"/>
-                <a:cs typeface="Courier New"/>
-              </a:rPr>
-              <a:t>("spacer", function() {</a:t>
-            </a:r>
-          </a:p>
-          <a:p>
-            <a:pPr marL="118872" indent="0">
-              <a:buNone/>
-            </a:pPr>
-            <a:r>
-              <a:rPr lang="en-US" sz="2800" dirty="0">
-                <a:latin typeface="Courier New"/>
-                <a:cs typeface="Courier New"/>
-              </a:rPr>
-              <a:t>  return function(text) {</a:t>
-            </a:r>
-          </a:p>
-          <a:p>
-            <a:pPr marL="118872" indent="0">
-              <a:buNone/>
-            </a:pPr>
-            <a:r>
-              <a:rPr lang="en-US" sz="2800" dirty="0">
-                <a:latin typeface="Courier New"/>
-                <a:cs typeface="Courier New"/>
-              </a:rPr>
-              <a:t>    text = text.split("").join(" ");</a:t>
-            </a:r>
-          </a:p>
-          <a:p>
-            <a:pPr marL="118872" indent="0">
-              <a:buNone/>
-            </a:pPr>
-            <a:r>
-              <a:rPr lang="en-US" sz="2800" dirty="0">
-                <a:latin typeface="Courier New"/>
-                <a:cs typeface="Courier New"/>
-              </a:rPr>
-              <a:t>    return text;</a:t>
-            </a:r>
-          </a:p>
-          <a:p>
-            <a:pPr marL="118872" indent="0">
-              <a:buNone/>
-            </a:pPr>
-            <a:r>
-              <a:rPr lang="en-US" sz="2800" dirty="0">
-                <a:latin typeface="Courier New"/>
-                <a:cs typeface="Courier New"/>
-              </a:rPr>
-              <a:t>  };</a:t>
-            </a:r>
-          </a:p>
-          <a:p>
-            <a:pPr marL="118872" indent="0">
-              <a:buNone/>
-            </a:pPr>
-            <a:r>
-              <a:rPr lang="en-US" sz="2800" dirty="0">
-                <a:latin typeface="Courier New"/>
-                <a:cs typeface="Courier New"/>
-              </a:rPr>
-              <a:t>});</a:t>
-            </a:r>
+            <a:endParaRPr lang="en-US" sz="4800" dirty="0" smtClean="0"/>
+          </a:p>
+          <a:p>
+            <a:pPr marL="118872" indent="0">
+              <a:buNone/>
+            </a:pPr>
+            <a:r>
+              <a:rPr lang="en-US" sz="4000" b="1" dirty="0" smtClean="0"/>
+              <a:t>E:</a:t>
+            </a:r>
+            <a:r>
+              <a:rPr lang="en-US" sz="4000" dirty="0" smtClean="0"/>
+              <a:t> &lt;my-directive&gt;&lt;/my-directive&gt;</a:t>
+            </a:r>
+          </a:p>
+          <a:p>
+            <a:pPr marL="118872" indent="0">
+              <a:buNone/>
+            </a:pPr>
+            <a:r>
+              <a:rPr lang="en-US" sz="4000" b="1" dirty="0" smtClean="0"/>
+              <a:t>A:</a:t>
+            </a:r>
+            <a:r>
+              <a:rPr lang="en-US" sz="4000" dirty="0" smtClean="0"/>
+              <a:t> &lt;div my-directive&gt;&lt;/div&gt;</a:t>
+            </a:r>
+          </a:p>
+          <a:p>
+            <a:pPr marL="118872" indent="0">
+              <a:buNone/>
+            </a:pPr>
+            <a:r>
+              <a:rPr lang="en-US" sz="4000" b="1" dirty="0" smtClean="0"/>
+              <a:t>C:</a:t>
+            </a:r>
+            <a:r>
+              <a:rPr lang="en-US" sz="4000" dirty="0" smtClean="0"/>
+              <a:t> &lt;div class=“my-directive”&gt;&lt;/div&gt;</a:t>
+            </a:r>
+          </a:p>
+          <a:p>
+            <a:pPr marL="118872" indent="0">
+              <a:buNone/>
+            </a:pPr>
+            <a:r>
+              <a:rPr lang="en-US" sz="4000" b="1" dirty="0" smtClean="0"/>
+              <a:t>M:</a:t>
+            </a:r>
+            <a:r>
+              <a:rPr lang="en-US" sz="4000" dirty="0" smtClean="0"/>
+              <a:t> &lt;!-- directive: my-directive --&gt;</a:t>
+            </a:r>
+            <a:endParaRPr lang="en-US" sz="4000" dirty="0"/>
           </a:p>
         </p:txBody>
       </p:sp>
     </p:spTree>
     <p:extLst>
       <p:ext uri="{BB962C8B-B14F-4D97-AF65-F5344CB8AC3E}">
-        <p14:creationId xmlns:p14="http://schemas.microsoft.com/office/powerpoint/2010/main" val="2814108816"/>
+        <p14:creationId xmlns:p14="http://schemas.microsoft.com/office/powerpoint/2010/main" val="3782363645"/>
       </p:ext>
     </p:extLst>
   </p:cSld>
@@ -19547,21 +21115,12 @@
         </p:nvSpPr>
         <p:spPr/>
         <p:txBody>
-          <a:bodyPr>
-            <a:normAutofit fontScale="90000"/>
-          </a:bodyPr>
+          <a:bodyPr/>
           <a:lstStyle/>
           <a:p>
             <a:r>
               <a:rPr lang="en-US" dirty="0" smtClean="0"/>
               <a:t>AngularJS On-Ramp</a:t>
-            </a:r>
-            <a:br>
-              <a:rPr lang="en-US" dirty="0" smtClean="0"/>
-            </a:br>
-            <a:r>
-              <a:rPr lang="en-US" dirty="0" smtClean="0"/>
-              <a:t>Using the “spacer” Filter</a:t>
             </a:r>
             <a:endParaRPr lang="en-US" dirty="0"/>
           </a:p>
@@ -19584,172 +21143,27 @@
           </a:bodyPr>
           <a:lstStyle/>
           <a:p>
-            <a:pPr marL="118872" indent="0">
-              <a:buNone/>
-            </a:pPr>
-            <a:r>
-              <a:rPr lang="en-US" sz="1600" dirty="0">
-                <a:latin typeface="Courier New"/>
-                <a:cs typeface="Courier New"/>
-              </a:rPr>
-              <a:t>&lt;ul&gt;</a:t>
-            </a:r>
-          </a:p>
-          <a:p>
-            <a:pPr marL="118872" indent="0">
-              <a:buNone/>
-            </a:pPr>
-            <a:r>
-              <a:rPr lang="en-US" sz="1600" dirty="0">
-                <a:latin typeface="Courier New"/>
-                <a:cs typeface="Courier New"/>
-              </a:rPr>
-              <a:t>  &lt;li data-ng-click="displayStudentInfo(student)" </a:t>
-            </a:r>
-            <a:endParaRPr lang="en-US" sz="1600" dirty="0" smtClean="0">
-              <a:latin typeface="Courier New"/>
-              <a:cs typeface="Courier New"/>
-            </a:endParaRPr>
-          </a:p>
-          <a:p>
-            <a:pPr marL="118872" indent="0">
-              <a:buNone/>
-            </a:pPr>
-            <a:r>
-              <a:rPr lang="en-US" sz="1600" dirty="0">
-                <a:latin typeface="Courier New"/>
-                <a:cs typeface="Courier New"/>
-              </a:rPr>
-              <a:t> </a:t>
-            </a:r>
-            <a:r>
-              <a:rPr lang="en-US" sz="1600" dirty="0" smtClean="0">
-                <a:latin typeface="Courier New"/>
-                <a:cs typeface="Courier New"/>
-              </a:rPr>
-              <a:t>     data</a:t>
-            </a:r>
-            <a:r>
-              <a:rPr lang="en-US" sz="1600" dirty="0">
-                <a:latin typeface="Courier New"/>
-                <a:cs typeface="Courier New"/>
-              </a:rPr>
-              <a:t>-ng-repeat="student in students | </a:t>
-            </a:r>
-            <a:endParaRPr lang="en-US" sz="1600" dirty="0" smtClean="0">
-              <a:latin typeface="Courier New"/>
-              <a:cs typeface="Courier New"/>
-            </a:endParaRPr>
-          </a:p>
-          <a:p>
-            <a:pPr marL="118872" indent="0">
-              <a:buNone/>
-            </a:pPr>
-            <a:r>
-              <a:rPr lang="en-US" sz="1600" dirty="0">
-                <a:latin typeface="Courier New"/>
-                <a:cs typeface="Courier New"/>
-              </a:rPr>
-              <a:t> </a:t>
-            </a:r>
-            <a:r>
-              <a:rPr lang="en-US" sz="1600" dirty="0" smtClean="0">
-                <a:latin typeface="Courier New"/>
-                <a:cs typeface="Courier New"/>
-              </a:rPr>
-              <a:t>                     filter:search </a:t>
-            </a:r>
-            <a:r>
-              <a:rPr lang="en-US" sz="1600" dirty="0">
-                <a:latin typeface="Courier New"/>
-                <a:cs typeface="Courier New"/>
-              </a:rPr>
-              <a:t>| orderBy:'grade':true"&gt;</a:t>
-            </a:r>
-          </a:p>
-          <a:p>
-            <a:pPr marL="118872" indent="0">
-              <a:buNone/>
-            </a:pPr>
-            <a:r>
-              <a:rPr lang="en-US" sz="1600" dirty="0">
-                <a:latin typeface="Courier New"/>
-                <a:cs typeface="Courier New"/>
-              </a:rPr>
-              <a:t>    {{student.name | </a:t>
-            </a:r>
-            <a:r>
-              <a:rPr lang="en-US" sz="1600" b="1" dirty="0">
-                <a:solidFill>
-                  <a:srgbClr val="FF0000"/>
-                </a:solidFill>
-                <a:latin typeface="Courier New"/>
-                <a:cs typeface="Courier New"/>
-              </a:rPr>
-              <a:t>spacer</a:t>
-            </a:r>
-            <a:r>
-              <a:rPr lang="en-US" sz="1600" dirty="0">
-                <a:latin typeface="Courier New"/>
-                <a:cs typeface="Courier New"/>
-              </a:rPr>
-              <a:t>}} is in classroom</a:t>
-            </a:r>
-          </a:p>
-          <a:p>
-            <a:pPr marL="118872" indent="0">
-              <a:buNone/>
-            </a:pPr>
-            <a:r>
-              <a:rPr lang="en-US" sz="1600" dirty="0">
-                <a:latin typeface="Courier New"/>
-                <a:cs typeface="Courier New"/>
-              </a:rPr>
-              <a:t>    {{student.classroom}}, and earned a grade of</a:t>
-            </a:r>
-          </a:p>
-          <a:p>
-            <a:pPr marL="118872" indent="0">
-              <a:buNone/>
-            </a:pPr>
-            <a:r>
-              <a:rPr lang="en-US" sz="1600" dirty="0">
-                <a:latin typeface="Courier New"/>
-                <a:cs typeface="Courier New"/>
-              </a:rPr>
-              <a:t>    {{student.grade}}.</a:t>
-            </a:r>
-          </a:p>
-          <a:p>
-            <a:pPr marL="118872" indent="0">
-              <a:buNone/>
-            </a:pPr>
-            <a:r>
-              <a:rPr lang="en-US" sz="1600" dirty="0">
-                <a:latin typeface="Courier New"/>
-                <a:cs typeface="Courier New"/>
-              </a:rPr>
-              <a:t>  &lt;/li&gt;</a:t>
-            </a:r>
-          </a:p>
-          <a:p>
-            <a:pPr marL="118872" indent="0">
-              <a:buNone/>
-            </a:pPr>
-            <a:r>
-              <a:rPr lang="en-US" sz="1600" dirty="0">
-                <a:latin typeface="Courier New"/>
-                <a:cs typeface="Courier New"/>
-              </a:rPr>
-              <a:t>&lt;/ul&gt;</a:t>
-            </a:r>
+            <a:endParaRPr lang="en-US" sz="4800" dirty="0" smtClean="0"/>
+          </a:p>
+          <a:p>
+            <a:endParaRPr lang="en-US" sz="4800" dirty="0"/>
+          </a:p>
+          <a:p>
+            <a:pPr marL="118872" indent="0" algn="ctr">
+              <a:buNone/>
+            </a:pPr>
+            <a:r>
+              <a:rPr lang="en-US" sz="4800" dirty="0" smtClean="0"/>
+              <a:t>Custom Filters</a:t>
+            </a:r>
+            <a:endParaRPr lang="en-US" sz="4800" dirty="0"/>
           </a:p>
         </p:txBody>
       </p:sp>
     </p:spTree>
     <p:extLst>
       <p:ext uri="{BB962C8B-B14F-4D97-AF65-F5344CB8AC3E}">
-        <p14:creationId xmlns:p14="http://schemas.microsoft.com/office/powerpoint/2010/main" val="2199952049"/>
+        <p14:creationId xmlns:p14="http://schemas.microsoft.com/office/powerpoint/2010/main" val="2990593875"/>
       </p:ext>
     </p:extLst>
   </p:cSld>
@@ -19795,12 +21209,21 @@
         </p:nvSpPr>
         <p:spPr/>
         <p:txBody>
-          <a:bodyPr/>
+          <a:bodyPr>
+            <a:normAutofit fontScale="90000"/>
+          </a:bodyPr>
           <a:lstStyle/>
           <a:p>
             <a:r>
               <a:rPr lang="en-US" dirty="0" smtClean="0"/>
               <a:t>AngularJS On-Ramp</a:t>
+            </a:r>
+            <a:br>
+              <a:rPr lang="en-US" dirty="0" smtClean="0"/>
+            </a:br>
+            <a:r>
+              <a:rPr lang="en-US" dirty="0" smtClean="0"/>
+              <a:t>Custom “spacer” Filter</a:t>
             </a:r>
             <a:endParaRPr lang="en-US" dirty="0"/>
           </a:p>
@@ -19823,27 +21246,100 @@
           </a:bodyPr>
           <a:lstStyle/>
           <a:p>
-            <a:endParaRPr lang="en-US" sz="4800" dirty="0" smtClean="0"/>
-          </a:p>
-          <a:p>
-            <a:endParaRPr lang="en-US" sz="4800" dirty="0"/>
-          </a:p>
-          <a:p>
-            <a:pPr marL="118872" indent="0" algn="ctr">
-              <a:buNone/>
-            </a:pPr>
-            <a:r>
-              <a:rPr lang="en-US" sz="4800" dirty="0" smtClean="0"/>
-              <a:t>Remote Data and $http</a:t>
-            </a:r>
-            <a:endParaRPr lang="en-US" sz="4800" dirty="0"/>
+            <a:pPr marL="118872" indent="0">
+              <a:buNone/>
+            </a:pPr>
+            <a:r>
+              <a:rPr lang="en-US" sz="2800" dirty="0">
+                <a:latin typeface="Courier New"/>
+                <a:cs typeface="Courier New"/>
+              </a:rPr>
+              <a:t>app.</a:t>
+            </a:r>
+            <a:r>
+              <a:rPr lang="en-US" sz="2800" b="1" dirty="0">
+                <a:solidFill>
+                  <a:srgbClr val="FF0000"/>
+                </a:solidFill>
+                <a:latin typeface="Courier New"/>
+                <a:cs typeface="Courier New"/>
+              </a:rPr>
+              <a:t>filter</a:t>
+            </a:r>
+            <a:r>
+              <a:rPr lang="en-US" sz="2800" dirty="0">
+                <a:latin typeface="Courier New"/>
+                <a:cs typeface="Courier New"/>
+              </a:rPr>
+              <a:t>("spacer", function() {</a:t>
+            </a:r>
+          </a:p>
+          <a:p>
+            <a:pPr marL="118872" indent="0">
+              <a:buNone/>
+            </a:pPr>
+            <a:r>
+              <a:rPr lang="en-US" sz="2800" dirty="0">
+                <a:latin typeface="Courier New"/>
+                <a:cs typeface="Courier New"/>
+              </a:rPr>
+              <a:t>  return function(text) {</a:t>
+            </a:r>
+          </a:p>
+          <a:p>
+            <a:pPr marL="118872" indent="0">
+              <a:buNone/>
+            </a:pPr>
+            <a:r>
+              <a:rPr lang="en-US" sz="2800" dirty="0">
+                <a:latin typeface="Courier New"/>
+                <a:cs typeface="Courier New"/>
+              </a:rPr>
+              <a:t>    text = text.split("").join(" ");</a:t>
+            </a:r>
+          </a:p>
+          <a:p>
+            <a:pPr marL="118872" indent="0">
+              <a:buNone/>
+            </a:pPr>
+            <a:r>
+              <a:rPr lang="en-US" sz="2800" dirty="0">
+                <a:latin typeface="Courier New"/>
+                <a:cs typeface="Courier New"/>
+              </a:rPr>
+              <a:t>    return text;</a:t>
+            </a:r>
+          </a:p>
+          <a:p>
+            <a:pPr marL="118872" indent="0">
+              <a:buNone/>
+            </a:pPr>
+            <a:r>
+              <a:rPr lang="en-US" sz="2800" dirty="0">
+                <a:latin typeface="Courier New"/>
+                <a:cs typeface="Courier New"/>
+              </a:rPr>
+              <a:t>  };</a:t>
+            </a:r>
+          </a:p>
+          <a:p>
+            <a:pPr marL="118872" indent="0">
+              <a:buNone/>
+            </a:pPr>
+            <a:r>
+              <a:rPr lang="en-US" sz="2800" dirty="0">
+                <a:latin typeface="Courier New"/>
+                <a:cs typeface="Courier New"/>
+              </a:rPr>
+              <a:t>});</a:t>
+            </a:r>
           </a:p>
         </p:txBody>
       </p:sp>
     </p:spTree>
     <p:extLst>
       <p:ext uri="{BB962C8B-B14F-4D97-AF65-F5344CB8AC3E}">
-        <p14:creationId xmlns:p14="http://schemas.microsoft.com/office/powerpoint/2010/main" val="280447623"/>
+        <p14:creationId xmlns:p14="http://schemas.microsoft.com/office/powerpoint/2010/main" val="2814108816"/>
       </p:ext>
     </p:extLst>
   </p:cSld>
@@ -20020,12 +21516,21 @@
         </p:nvSpPr>
         <p:spPr/>
         <p:txBody>
-          <a:bodyPr/>
+          <a:bodyPr>
+            <a:normAutofit fontScale="90000"/>
+          </a:bodyPr>
           <a:lstStyle/>
           <a:p>
             <a:r>
               <a:rPr lang="en-US" dirty="0" smtClean="0"/>
               <a:t>AngularJS On-Ramp</a:t>
+            </a:r>
+            <a:br>
+              <a:rPr lang="en-US" dirty="0" smtClean="0"/>
+            </a:br>
+            <a:r>
+              <a:rPr lang="en-US" dirty="0" smtClean="0"/>
+              <a:t>Using the “spacer” Filter</a:t>
             </a:r>
             <a:endParaRPr lang="en-US" dirty="0"/>
           </a:p>
@@ -20048,27 +21553,172 @@
           </a:bodyPr>
           <a:lstStyle/>
           <a:p>
-            <a:endParaRPr lang="en-US" sz="4800" dirty="0" smtClean="0"/>
-          </a:p>
-          <a:p>
-            <a:endParaRPr lang="en-US" sz="4800" dirty="0"/>
-          </a:p>
-          <a:p>
-            <a:pPr marL="118872" indent="0" algn="ctr">
-              <a:buNone/>
-            </a:pPr>
-            <a:r>
-              <a:rPr lang="en-US" sz="4800" dirty="0" smtClean="0"/>
-              <a:t>Promises</a:t>
-            </a:r>
-            <a:endParaRPr lang="en-US" sz="4800" dirty="0"/>
+            <a:pPr marL="118872" indent="0">
+              <a:buNone/>
+            </a:pPr>
+            <a:r>
+              <a:rPr lang="en-US" sz="1600" dirty="0">
+                <a:latin typeface="Courier New"/>
+                <a:cs typeface="Courier New"/>
+              </a:rPr>
+              <a:t>&lt;ul&gt;</a:t>
+            </a:r>
+          </a:p>
+          <a:p>
+            <a:pPr marL="118872" indent="0">
+              <a:buNone/>
+            </a:pPr>
+            <a:r>
+              <a:rPr lang="en-US" sz="1600" dirty="0">
+                <a:latin typeface="Courier New"/>
+                <a:cs typeface="Courier New"/>
+              </a:rPr>
+              <a:t>  &lt;li data-ng-click="displayStudentInfo(student)" </a:t>
+            </a:r>
+            <a:endParaRPr lang="en-US" sz="1600" dirty="0" smtClean="0">
+              <a:latin typeface="Courier New"/>
+              <a:cs typeface="Courier New"/>
+            </a:endParaRPr>
+          </a:p>
+          <a:p>
+            <a:pPr marL="118872" indent="0">
+              <a:buNone/>
+            </a:pPr>
+            <a:r>
+              <a:rPr lang="en-US" sz="1600" dirty="0">
+                <a:latin typeface="Courier New"/>
+                <a:cs typeface="Courier New"/>
+              </a:rPr>
+              <a:t> </a:t>
+            </a:r>
+            <a:r>
+              <a:rPr lang="en-US" sz="1600" dirty="0" smtClean="0">
+                <a:latin typeface="Courier New"/>
+                <a:cs typeface="Courier New"/>
+              </a:rPr>
+              <a:t>     data</a:t>
+            </a:r>
+            <a:r>
+              <a:rPr lang="en-US" sz="1600" dirty="0">
+                <a:latin typeface="Courier New"/>
+                <a:cs typeface="Courier New"/>
+              </a:rPr>
+              <a:t>-ng-repeat="student in students | </a:t>
+            </a:r>
+            <a:endParaRPr lang="en-US" sz="1600" dirty="0" smtClean="0">
+              <a:latin typeface="Courier New"/>
+              <a:cs typeface="Courier New"/>
+            </a:endParaRPr>
+          </a:p>
+          <a:p>
+            <a:pPr marL="118872" indent="0">
+              <a:buNone/>
+            </a:pPr>
+            <a:r>
+              <a:rPr lang="en-US" sz="1600" dirty="0">
+                <a:latin typeface="Courier New"/>
+                <a:cs typeface="Courier New"/>
+              </a:rPr>
+              <a:t> </a:t>
+            </a:r>
+            <a:r>
+              <a:rPr lang="en-US" sz="1600" dirty="0" smtClean="0">
+                <a:latin typeface="Courier New"/>
+                <a:cs typeface="Courier New"/>
+              </a:rPr>
+              <a:t>                     filter:search </a:t>
+            </a:r>
+            <a:r>
+              <a:rPr lang="en-US" sz="1600" dirty="0">
+                <a:latin typeface="Courier New"/>
+                <a:cs typeface="Courier New"/>
+              </a:rPr>
+              <a:t>| orderBy:'grade':true"&gt;</a:t>
+            </a:r>
+          </a:p>
+          <a:p>
+            <a:pPr marL="118872" indent="0">
+              <a:buNone/>
+            </a:pPr>
+            <a:r>
+              <a:rPr lang="en-US" sz="1600" dirty="0">
+                <a:latin typeface="Courier New"/>
+                <a:cs typeface="Courier New"/>
+              </a:rPr>
+              <a:t>    {{student.name | </a:t>
+            </a:r>
+            <a:r>
+              <a:rPr lang="en-US" sz="1600" b="1" dirty="0">
+                <a:solidFill>
+                  <a:srgbClr val="FF0000"/>
+                </a:solidFill>
+                <a:latin typeface="Courier New"/>
+                <a:cs typeface="Courier New"/>
+              </a:rPr>
+              <a:t>spacer</a:t>
+            </a:r>
+            <a:r>
+              <a:rPr lang="en-US" sz="1600" dirty="0">
+                <a:latin typeface="Courier New"/>
+                <a:cs typeface="Courier New"/>
+              </a:rPr>
+              <a:t>}} is in classroom</a:t>
+            </a:r>
+          </a:p>
+          <a:p>
+            <a:pPr marL="118872" indent="0">
+              <a:buNone/>
+            </a:pPr>
+            <a:r>
+              <a:rPr lang="en-US" sz="1600" dirty="0">
+                <a:latin typeface="Courier New"/>
+                <a:cs typeface="Courier New"/>
+              </a:rPr>
+              <a:t>    {{student.classroom}}, and earned a grade of</a:t>
+            </a:r>
+          </a:p>
+          <a:p>
+            <a:pPr marL="118872" indent="0">
+              <a:buNone/>
+            </a:pPr>
+            <a:r>
+              <a:rPr lang="en-US" sz="1600" dirty="0">
+                <a:latin typeface="Courier New"/>
+                <a:cs typeface="Courier New"/>
+              </a:rPr>
+              <a:t>    {{student.grade}}.</a:t>
+            </a:r>
+          </a:p>
+          <a:p>
+            <a:pPr marL="118872" indent="0">
+              <a:buNone/>
+            </a:pPr>
+            <a:r>
+              <a:rPr lang="en-US" sz="1600" dirty="0">
+                <a:latin typeface="Courier New"/>
+                <a:cs typeface="Courier New"/>
+              </a:rPr>
+              <a:t>  &lt;/li&gt;</a:t>
+            </a:r>
+          </a:p>
+          <a:p>
+            <a:pPr marL="118872" indent="0">
+              <a:buNone/>
+            </a:pPr>
+            <a:r>
+              <a:rPr lang="en-US" sz="1600" dirty="0">
+                <a:latin typeface="Courier New"/>
+                <a:cs typeface="Courier New"/>
+              </a:rPr>
+              <a:t>&lt;/ul&gt;</a:t>
+            </a:r>
           </a:p>
         </p:txBody>
       </p:sp>
     </p:spTree>
     <p:extLst>
       <p:ext uri="{BB962C8B-B14F-4D97-AF65-F5344CB8AC3E}">
-        <p14:creationId xmlns:p14="http://schemas.microsoft.com/office/powerpoint/2010/main" val="2860425596"/>
+        <p14:creationId xmlns:p14="http://schemas.microsoft.com/office/powerpoint/2010/main" val="2199952049"/>
       </p:ext>
     </p:extLst>
   </p:cSld>
@@ -20114,21 +21764,12 @@
         </p:nvSpPr>
         <p:spPr/>
         <p:txBody>
-          <a:bodyPr>
-            <a:normAutofit fontScale="90000"/>
-          </a:bodyPr>
+          <a:bodyPr/>
           <a:lstStyle/>
           <a:p>
             <a:r>
               <a:rPr lang="en-US" dirty="0" smtClean="0"/>
               <a:t>AngularJS On-Ramp</a:t>
-            </a:r>
-            <a:br>
-              <a:rPr lang="en-US" dirty="0" smtClean="0"/>
-            </a:br>
-            <a:r>
-              <a:rPr lang="en-US" dirty="0" smtClean="0"/>
-              <a:t>Using $http</a:t>
             </a:r>
             <a:endParaRPr lang="en-US" dirty="0"/>
           </a:p>
@@ -20151,200 +21792,27 @@
           </a:bodyPr>
           <a:lstStyle/>
           <a:p>
-            <a:pPr marL="118872" indent="0">
-              <a:buNone/>
-            </a:pPr>
-            <a:r>
-              <a:rPr lang="en-US" sz="1800" dirty="0" smtClean="0">
-                <a:latin typeface="Courier New"/>
-                <a:cs typeface="Courier New"/>
-              </a:rPr>
-              <a:t>app.factory</a:t>
-            </a:r>
-            <a:r>
-              <a:rPr lang="en-US" sz="1800" dirty="0">
-                <a:latin typeface="Courier New"/>
-                <a:cs typeface="Courier New"/>
-              </a:rPr>
-              <a:t>("studentRepository", function (</a:t>
-            </a:r>
-            <a:r>
-              <a:rPr lang="en-US" sz="1800" b="1" dirty="0">
-                <a:solidFill>
-                  <a:srgbClr val="FF0000"/>
-                </a:solidFill>
-                <a:latin typeface="Courier New"/>
-                <a:cs typeface="Courier New"/>
-              </a:rPr>
-              <a:t>$http</a:t>
-            </a:r>
-            <a:r>
-              <a:rPr lang="en-US" sz="1800" dirty="0">
-                <a:latin typeface="Courier New"/>
-                <a:cs typeface="Courier New"/>
-              </a:rPr>
-              <a:t>) {</a:t>
-            </a:r>
-          </a:p>
-          <a:p>
-            <a:pPr marL="118872" indent="0">
-              <a:buNone/>
-            </a:pPr>
-            <a:r>
-              <a:rPr lang="en-US" sz="1800" dirty="0" smtClean="0">
-                <a:latin typeface="Courier New"/>
-                <a:cs typeface="Courier New"/>
-              </a:rPr>
-              <a:t>  </a:t>
-            </a:r>
-            <a:r>
-              <a:rPr lang="en-US" sz="1800" dirty="0">
-                <a:latin typeface="Courier New"/>
-                <a:cs typeface="Courier New"/>
-              </a:rPr>
-              <a:t>var factory = {};</a:t>
-            </a:r>
-          </a:p>
-          <a:p>
-            <a:pPr marL="118872" indent="0">
-              <a:buNone/>
-            </a:pPr>
-            <a:endParaRPr lang="en-US" sz="1800" dirty="0">
-              <a:latin typeface="Courier New"/>
-              <a:cs typeface="Courier New"/>
-            </a:endParaRPr>
-          </a:p>
-          <a:p>
-            <a:pPr marL="118872" indent="0">
-              <a:buNone/>
-            </a:pPr>
-            <a:r>
-              <a:rPr lang="en-US" sz="1800" dirty="0">
-                <a:latin typeface="Courier New"/>
-                <a:cs typeface="Courier New"/>
-              </a:rPr>
-              <a:t>  factory.getStudents = function () {</a:t>
-            </a:r>
-          </a:p>
-          <a:p>
-            <a:pPr marL="118872" indent="0">
-              <a:buNone/>
-            </a:pPr>
-            <a:r>
-              <a:rPr lang="en-US" sz="1800" dirty="0" smtClean="0">
-                <a:latin typeface="Courier New"/>
-                <a:cs typeface="Courier New"/>
-              </a:rPr>
-              <a:t>     </a:t>
-            </a:r>
-            <a:r>
-              <a:rPr lang="en-US" sz="1800" dirty="0">
-                <a:latin typeface="Courier New"/>
-                <a:cs typeface="Courier New"/>
-              </a:rPr>
-              <a:t>return </a:t>
-            </a:r>
-            <a:r>
-              <a:rPr lang="en-US" sz="1800" b="1" dirty="0">
-                <a:solidFill>
-                  <a:srgbClr val="FF0000"/>
-                </a:solidFill>
-                <a:latin typeface="Courier New"/>
-                <a:cs typeface="Courier New"/>
-              </a:rPr>
-              <a:t>$http.get</a:t>
-            </a:r>
-            <a:r>
-              <a:rPr lang="en-US" sz="1800" dirty="0">
-                <a:latin typeface="Courier New"/>
-                <a:cs typeface="Courier New"/>
-              </a:rPr>
-              <a:t>("http://localhost/students.json");</a:t>
-            </a:r>
-          </a:p>
-          <a:p>
-            <a:pPr marL="118872" indent="0">
-              <a:buNone/>
-            </a:pPr>
-            <a:r>
-              <a:rPr lang="en-US" sz="1800" dirty="0" smtClean="0">
-                <a:latin typeface="Courier New"/>
-                <a:cs typeface="Courier New"/>
-              </a:rPr>
-              <a:t>  </a:t>
-            </a:r>
-            <a:r>
-              <a:rPr lang="en-US" sz="1800" dirty="0">
-                <a:latin typeface="Courier New"/>
-                <a:cs typeface="Courier New"/>
-              </a:rPr>
-              <a:t>}</a:t>
-            </a:r>
-          </a:p>
-          <a:p>
-            <a:pPr marL="118872" indent="0">
-              <a:buNone/>
-            </a:pPr>
-            <a:endParaRPr lang="en-US" sz="1800" dirty="0">
-              <a:latin typeface="Courier New"/>
-              <a:cs typeface="Courier New"/>
-            </a:endParaRPr>
-          </a:p>
-          <a:p>
-            <a:pPr marL="118872" indent="0">
-              <a:buNone/>
-            </a:pPr>
-            <a:r>
-              <a:rPr lang="en-US" sz="1800" dirty="0">
-                <a:latin typeface="Courier New"/>
-                <a:cs typeface="Courier New"/>
-              </a:rPr>
-              <a:t>  return factory;</a:t>
-            </a:r>
-          </a:p>
-          <a:p>
-            <a:pPr marL="118872" indent="0">
-              <a:buNone/>
-            </a:pPr>
-            <a:r>
-              <a:rPr lang="en-US" sz="1800" dirty="0" smtClean="0">
-                <a:latin typeface="Courier New"/>
-                <a:cs typeface="Courier New"/>
-              </a:rPr>
-              <a:t>}</a:t>
-            </a:r>
-            <a:r>
-              <a:rPr lang="en-US" sz="1800" dirty="0">
-                <a:latin typeface="Courier New"/>
-                <a:cs typeface="Courier New"/>
-              </a:rPr>
-              <a:t>);</a:t>
-            </a:r>
-          </a:p>
-          <a:p>
-            <a:pPr marL="118872" indent="0">
-              <a:buNone/>
-            </a:pPr>
-            <a:endParaRPr lang="en-US" sz="1800" dirty="0">
-              <a:latin typeface="Courier New"/>
-              <a:cs typeface="Courier New"/>
-            </a:endParaRPr>
-          </a:p>
-          <a:p>
-            <a:pPr marL="118872" indent="0">
-              <a:buNone/>
-            </a:pPr>
-            <a:endParaRPr lang="en-US" sz="1800" dirty="0">
-              <a:latin typeface="Courier New"/>
-              <a:cs typeface="Courier New"/>
-            </a:endParaRPr>
+            <a:endParaRPr lang="en-US" sz="4800" dirty="0" smtClean="0"/>
+          </a:p>
+          <a:p>
+            <a:endParaRPr lang="en-US" sz="4800" dirty="0"/>
+          </a:p>
+          <a:p>
+            <a:pPr marL="118872" indent="0" algn="ctr">
+              <a:buNone/>
+            </a:pPr>
+            <a:r>
+              <a:rPr lang="en-US" sz="4800" dirty="0" smtClean="0"/>
+              <a:t>Remote Data and $http</a:t>
+            </a:r>
+            <a:endParaRPr lang="en-US" sz="4800" dirty="0"/>
           </a:p>
         </p:txBody>
       </p:sp>
     </p:spTree>
     <p:extLst>
       <p:ext uri="{BB962C8B-B14F-4D97-AF65-F5344CB8AC3E}">
-        <p14:creationId xmlns:p14="http://schemas.microsoft.com/office/powerpoint/2010/main" val="3176479409"/>
+        <p14:creationId xmlns:p14="http://schemas.microsoft.com/office/powerpoint/2010/main" val="280447623"/>
       </p:ext>
     </p:extLst>
   </p:cSld>
@@ -20390,6 +21858,376 @@
         </p:nvSpPr>
         <p:spPr/>
         <p:txBody>
+          <a:bodyPr/>
+          <a:lstStyle/>
+          <a:p>
+            <a:r>
+              <a:rPr lang="en-US" dirty="0" smtClean="0"/>
+              <a:t>AngularJS On-Ramp</a:t>
+            </a:r>
+            <a:endParaRPr lang="en-US" dirty="0"/>
+          </a:p>
+        </p:txBody>
+      </p:sp>
+      <p:sp>
+        <p:nvSpPr>
+          <p:cNvPr id="3" name="Content Placeholder 2"/>
+          <p:cNvSpPr>
+            <a:spLocks noGrp="1"/>
+          </p:cNvSpPr>
+          <p:nvPr>
+            <p:ph idx="1"/>
+          </p:nvPr>
+        </p:nvSpPr>
+        <p:spPr/>
+        <p:txBody>
+          <a:bodyPr>
+            <a:normAutofit/>
+          </a:bodyPr>
+          <a:lstStyle/>
+          <a:p>
+            <a:endParaRPr lang="en-US" sz="4800" dirty="0" smtClean="0"/>
+          </a:p>
+          <a:p>
+            <a:endParaRPr lang="en-US" sz="4800" dirty="0"/>
+          </a:p>
+          <a:p>
+            <a:pPr marL="118872" indent="0" algn="ctr">
+              <a:buNone/>
+            </a:pPr>
+            <a:r>
+              <a:rPr lang="en-US" sz="4800" dirty="0" smtClean="0"/>
+              <a:t>Promises</a:t>
+            </a:r>
+            <a:endParaRPr lang="en-US" sz="4800" dirty="0"/>
+          </a:p>
+        </p:txBody>
+      </p:sp>
+    </p:spTree>
+    <p:extLst>
+      <p:ext uri="{BB962C8B-B14F-4D97-AF65-F5344CB8AC3E}">
+        <p14:creationId xmlns:p14="http://schemas.microsoft.com/office/powerpoint/2010/main" val="2860425596"/>
+      </p:ext>
+    </p:extLst>
+  </p:cSld>
+  <p:clrMapOvr>
+    <a:masterClrMapping/>
+  </p:clrMapOvr>
+  <p:timing>
+    <p:tnLst>
+      <p:par>
+        <p:cTn xmlns:p14="http://schemas.microsoft.com/office/powerpoint/2010/main" id="1" dur="indefinite" restart="never" nodeType="tmRoot"/>
+      </p:par>
+    </p:tnLst>
+  </p:timing>
+</p:sld>
+</file>
+
+<file path=ppt/slides/slide43.xml><?xml version="1.0" encoding="utf-8"?>
+<p:sld xmlns:a="http://schemas.openxmlformats.org/drawingml/2006/main" xmlns:r="http://schemas.openxmlformats.org/officeDocument/2006/relationships" xmlns:p="http://schemas.openxmlformats.org/presentationml/2006/main">
+  <p:cSld>
+    <p:spTree>
+      <p:nvGrpSpPr>
+        <p:cNvPr id="1" name=""/>
+        <p:cNvGrpSpPr/>
+        <p:nvPr/>
+      </p:nvGrpSpPr>
+      <p:grpSpPr>
+        <a:xfrm>
+          <a:off x="0" y="0"/>
+          <a:ext cx="0" cy="0"/>
+          <a:chOff x="0" y="0"/>
+          <a:chExt cx="0" cy="0"/>
+        </a:xfrm>
+      </p:grpSpPr>
+      <p:sp>
+        <p:nvSpPr>
+          <p:cNvPr id="2" name="Title 1"/>
+          <p:cNvSpPr>
+            <a:spLocks noGrp="1"/>
+          </p:cNvSpPr>
+          <p:nvPr>
+            <p:ph type="title"/>
+          </p:nvPr>
+        </p:nvSpPr>
+        <p:spPr/>
+        <p:txBody>
+          <a:bodyPr>
+            <a:normAutofit fontScale="90000"/>
+          </a:bodyPr>
+          <a:lstStyle/>
+          <a:p>
+            <a:r>
+              <a:rPr lang="en-US" dirty="0" smtClean="0"/>
+              <a:t>AngularJS On-Ramp</a:t>
+            </a:r>
+            <a:br>
+              <a:rPr lang="en-US" dirty="0" smtClean="0"/>
+            </a:br>
+            <a:r>
+              <a:rPr lang="en-US" dirty="0" smtClean="0"/>
+              <a:t>Using $http</a:t>
+            </a:r>
+            <a:endParaRPr lang="en-US" dirty="0"/>
+          </a:p>
+        </p:txBody>
+      </p:sp>
+      <p:sp>
+        <p:nvSpPr>
+          <p:cNvPr id="3" name="Content Placeholder 2"/>
+          <p:cNvSpPr>
+            <a:spLocks noGrp="1"/>
+          </p:cNvSpPr>
+          <p:nvPr>
+            <p:ph idx="1"/>
+          </p:nvPr>
+        </p:nvSpPr>
+        <p:spPr/>
+        <p:txBody>
+          <a:bodyPr>
+            <a:normAutofit/>
+          </a:bodyPr>
+          <a:lstStyle/>
+          <a:p>
+            <a:pPr marL="118872" indent="0">
+              <a:buNone/>
+            </a:pPr>
+            <a:r>
+              <a:rPr lang="en-US" sz="1800" dirty="0" smtClean="0">
+                <a:latin typeface="Courier New"/>
+                <a:cs typeface="Courier New"/>
+              </a:rPr>
+              <a:t>app.factory</a:t>
+            </a:r>
+            <a:r>
+              <a:rPr lang="en-US" sz="1800" dirty="0">
+                <a:latin typeface="Courier New"/>
+                <a:cs typeface="Courier New"/>
+              </a:rPr>
+              <a:t>("studentRepository", function (</a:t>
+            </a:r>
+            <a:r>
+              <a:rPr lang="en-US" sz="1800" b="1" dirty="0">
+                <a:solidFill>
+                  <a:srgbClr val="FF0000"/>
+                </a:solidFill>
+                <a:latin typeface="Courier New"/>
+                <a:cs typeface="Courier New"/>
+              </a:rPr>
+              <a:t>$http</a:t>
+            </a:r>
+            <a:r>
+              <a:rPr lang="en-US" sz="1800" dirty="0">
+                <a:latin typeface="Courier New"/>
+                <a:cs typeface="Courier New"/>
+              </a:rPr>
+              <a:t>) {</a:t>
+            </a:r>
+          </a:p>
+          <a:p>
+            <a:pPr marL="118872" indent="0">
+              <a:buNone/>
+            </a:pPr>
+            <a:r>
+              <a:rPr lang="en-US" sz="1800" dirty="0" smtClean="0">
+                <a:latin typeface="Courier New"/>
+                <a:cs typeface="Courier New"/>
+              </a:rPr>
+              <a:t>  </a:t>
+            </a:r>
+            <a:r>
+              <a:rPr lang="en-US" sz="1800" dirty="0">
+                <a:latin typeface="Courier New"/>
+                <a:cs typeface="Courier New"/>
+              </a:rPr>
+              <a:t>var factory = {};</a:t>
+            </a:r>
+          </a:p>
+          <a:p>
+            <a:pPr marL="118872" indent="0">
+              <a:buNone/>
+            </a:pPr>
+            <a:endParaRPr lang="en-US" sz="1800" dirty="0">
+              <a:latin typeface="Courier New"/>
+              <a:cs typeface="Courier New"/>
+            </a:endParaRPr>
+          </a:p>
+          <a:p>
+            <a:pPr marL="118872" indent="0">
+              <a:buNone/>
+            </a:pPr>
+            <a:r>
+              <a:rPr lang="en-US" sz="1800" dirty="0">
+                <a:latin typeface="Courier New"/>
+                <a:cs typeface="Courier New"/>
+              </a:rPr>
+              <a:t>  factory.getStudents = function () {</a:t>
+            </a:r>
+          </a:p>
+          <a:p>
+            <a:pPr marL="118872" indent="0">
+              <a:buNone/>
+            </a:pPr>
+            <a:r>
+              <a:rPr lang="en-US" sz="1800" dirty="0" smtClean="0">
+                <a:latin typeface="Courier New"/>
+                <a:cs typeface="Courier New"/>
+              </a:rPr>
+              <a:t>     </a:t>
+            </a:r>
+            <a:r>
+              <a:rPr lang="en-US" sz="1800" dirty="0">
+                <a:latin typeface="Courier New"/>
+                <a:cs typeface="Courier New"/>
+              </a:rPr>
+              <a:t>return </a:t>
+            </a:r>
+            <a:r>
+              <a:rPr lang="en-US" sz="1800" b="1" dirty="0">
+                <a:solidFill>
+                  <a:srgbClr val="FF0000"/>
+                </a:solidFill>
+                <a:latin typeface="Courier New"/>
+                <a:cs typeface="Courier New"/>
+              </a:rPr>
+              <a:t>$http.get</a:t>
+            </a:r>
+            <a:r>
+              <a:rPr lang="en-US" sz="1800" dirty="0">
+                <a:latin typeface="Courier New"/>
+                <a:cs typeface="Courier New"/>
+              </a:rPr>
+              <a:t>("http://localhost/students.json");</a:t>
+            </a:r>
+          </a:p>
+          <a:p>
+            <a:pPr marL="118872" indent="0">
+              <a:buNone/>
+            </a:pPr>
+            <a:r>
+              <a:rPr lang="en-US" sz="1800" dirty="0" smtClean="0">
+                <a:latin typeface="Courier New"/>
+                <a:cs typeface="Courier New"/>
+              </a:rPr>
+              <a:t>  </a:t>
+            </a:r>
+            <a:r>
+              <a:rPr lang="en-US" sz="1800" dirty="0">
+                <a:latin typeface="Courier New"/>
+                <a:cs typeface="Courier New"/>
+              </a:rPr>
+              <a:t>}</a:t>
+            </a:r>
+          </a:p>
+          <a:p>
+            <a:pPr marL="118872" indent="0">
+              <a:buNone/>
+            </a:pPr>
+            <a:endParaRPr lang="en-US" sz="1800" dirty="0">
+              <a:latin typeface="Courier New"/>
+              <a:cs typeface="Courier New"/>
+            </a:endParaRPr>
+          </a:p>
+          <a:p>
+            <a:pPr marL="118872" indent="0">
+              <a:buNone/>
+            </a:pPr>
+            <a:r>
+              <a:rPr lang="en-US" sz="1800" dirty="0">
+                <a:latin typeface="Courier New"/>
+                <a:cs typeface="Courier New"/>
+              </a:rPr>
+              <a:t>  return factory;</a:t>
+            </a:r>
+          </a:p>
+          <a:p>
+            <a:pPr marL="118872" indent="0">
+              <a:buNone/>
+            </a:pPr>
+            <a:r>
+              <a:rPr lang="en-US" sz="1800" dirty="0" smtClean="0">
+                <a:latin typeface="Courier New"/>
+                <a:cs typeface="Courier New"/>
+              </a:rPr>
+              <a:t>}</a:t>
+            </a:r>
+            <a:r>
+              <a:rPr lang="en-US" sz="1800" dirty="0">
+                <a:latin typeface="Courier New"/>
+                <a:cs typeface="Courier New"/>
+              </a:rPr>
+              <a:t>);</a:t>
+            </a:r>
+          </a:p>
+          <a:p>
+            <a:pPr marL="118872" indent="0">
+              <a:buNone/>
+            </a:pPr>
+            <a:endParaRPr lang="en-US" sz="1800" dirty="0">
+              <a:latin typeface="Courier New"/>
+              <a:cs typeface="Courier New"/>
+            </a:endParaRPr>
+          </a:p>
+          <a:p>
+            <a:pPr marL="118872" indent="0">
+              <a:buNone/>
+            </a:pPr>
+            <a:endParaRPr lang="en-US" sz="1800" dirty="0">
+              <a:latin typeface="Courier New"/>
+              <a:cs typeface="Courier New"/>
+            </a:endParaRPr>
+          </a:p>
+        </p:txBody>
+      </p:sp>
+    </p:spTree>
+    <p:extLst>
+      <p:ext uri="{BB962C8B-B14F-4D97-AF65-F5344CB8AC3E}">
+        <p14:creationId xmlns:p14="http://schemas.microsoft.com/office/powerpoint/2010/main" val="3176479409"/>
+      </p:ext>
+    </p:extLst>
+  </p:cSld>
+  <p:clrMapOvr>
+    <a:masterClrMapping/>
+  </p:clrMapOvr>
+  <p:timing>
+    <p:tnLst>
+      <p:par>
+        <p:cTn xmlns:p14="http://schemas.microsoft.com/office/powerpoint/2010/main" id="1" dur="indefinite" restart="never" nodeType="tmRoot"/>
+      </p:par>
+    </p:tnLst>
+  </p:timing>
+</p:sld>
+</file>
+
+<file path=ppt/slides/slide44.xml><?xml version="1.0" encoding="utf-8"?>
+<p:sld xmlns:a="http://schemas.openxmlformats.org/drawingml/2006/main" xmlns:r="http://schemas.openxmlformats.org/officeDocument/2006/relationships" xmlns:p="http://schemas.openxmlformats.org/presentationml/2006/main">
+  <p:cSld>
+    <p:spTree>
+      <p:nvGrpSpPr>
+        <p:cNvPr id="1" name=""/>
+        <p:cNvGrpSpPr/>
+        <p:nvPr/>
+      </p:nvGrpSpPr>
+      <p:grpSpPr>
+        <a:xfrm>
+          <a:off x="0" y="0"/>
+          <a:ext cx="0" cy="0"/>
+          <a:chOff x="0" y="0"/>
+          <a:chExt cx="0" cy="0"/>
+        </a:xfrm>
+      </p:grpSpPr>
+      <p:sp>
+        <p:nvSpPr>
+          <p:cNvPr id="2" name="Title 1"/>
+          <p:cNvSpPr>
+            <a:spLocks noGrp="1"/>
+          </p:cNvSpPr>
+          <p:nvPr>
+            <p:ph type="title"/>
+          </p:nvPr>
+        </p:nvSpPr>
+        <p:spPr/>
+        <p:txBody>
           <a:bodyPr>
             <a:normAutofit fontScale="90000"/>
           </a:bodyPr>
@@ -20687,7 +22525,7 @@
 </p:sld>
 </file>
 
-<file path=ppt/slides/slide43.xml><?xml version="1.0" encoding="utf-8"?>
+<file path=ppt/slides/slide45.xml><?xml version="1.0" encoding="utf-8"?>
 <p:sld xmlns:a="http://schemas.openxmlformats.org/drawingml/2006/main" xmlns:r="http://schemas.openxmlformats.org/officeDocument/2006/relationships" xmlns:p="http://schemas.openxmlformats.org/presentationml/2006/main">
   <p:cSld>
     <p:spTree>
